--- a/template.pptx
+++ b/template.pptx
@@ -134,7 +134,7 @@
           <p:cNvPr id="7" name="Imagem 6">
             <a:extLst>
               <a:ext uri="{FF2B5EF4-FFF2-40B4-BE49-F238E27FC236}">
-                <a16:creationId xmlns:a16="http://schemas.microsoft.com/office/drawing/2014/main" id="{0659555A-62B8-4F41-8CA4-1B3A3EA14739}"/>
+                <a16:creationId xmlns="" xmlns:a16="http://schemas.microsoft.com/office/drawing/2014/main" id="{0659555A-62B8-4F41-8CA4-1B3A3EA14739}"/>
               </a:ext>
             </a:extLst>
           </p:cNvPr>
@@ -291,7 +291,7 @@
           <p:cNvPr id="8" name="Google Shape;97;p1">
             <a:extLst>
               <a:ext uri="{FF2B5EF4-FFF2-40B4-BE49-F238E27FC236}">
-                <a16:creationId xmlns:a16="http://schemas.microsoft.com/office/drawing/2014/main" id="{43A72E65-A81B-49CC-8B20-CF404F1BF450}"/>
+                <a16:creationId xmlns="" xmlns:a16="http://schemas.microsoft.com/office/drawing/2014/main" id="{43A72E65-A81B-49CC-8B20-CF404F1BF450}"/>
               </a:ext>
             </a:extLst>
           </p:cNvPr>
@@ -331,7 +331,7 @@
           <p:cNvPr id="9" name="Google Shape;99;p1">
             <a:extLst>
               <a:ext uri="{FF2B5EF4-FFF2-40B4-BE49-F238E27FC236}">
-                <a16:creationId xmlns:a16="http://schemas.microsoft.com/office/drawing/2014/main" id="{DE5005F3-3792-41C9-8075-52A42497510B}"/>
+                <a16:creationId xmlns="" xmlns:a16="http://schemas.microsoft.com/office/drawing/2014/main" id="{DE5005F3-3792-41C9-8075-52A42497510B}"/>
               </a:ext>
             </a:extLst>
           </p:cNvPr>
@@ -672,7 +672,7 @@
           <p:cNvPr id="13" name="Google Shape;97;p1">
             <a:extLst>
               <a:ext uri="{FF2B5EF4-FFF2-40B4-BE49-F238E27FC236}">
-                <a16:creationId xmlns:a16="http://schemas.microsoft.com/office/drawing/2014/main" id="{702CC660-5243-4637-BA40-9715ABC4259A}"/>
+                <a16:creationId xmlns="" xmlns:a16="http://schemas.microsoft.com/office/drawing/2014/main" id="{702CC660-5243-4637-BA40-9715ABC4259A}"/>
               </a:ext>
             </a:extLst>
           </p:cNvPr>
@@ -712,7 +712,7 @@
           <p:cNvPr id="14" name="Google Shape;105;p2">
             <a:extLst>
               <a:ext uri="{FF2B5EF4-FFF2-40B4-BE49-F238E27FC236}">
-                <a16:creationId xmlns:a16="http://schemas.microsoft.com/office/drawing/2014/main" id="{FA8293DE-D603-4C5F-95AA-E3B19769D683}"/>
+                <a16:creationId xmlns="" xmlns:a16="http://schemas.microsoft.com/office/drawing/2014/main" id="{FA8293DE-D603-4C5F-95AA-E3B19769D683}"/>
               </a:ext>
             </a:extLst>
           </p:cNvPr>
@@ -1097,7 +1097,7 @@
           <a:p>
             <a:fld id="{594ACB89-4662-4B0D-B4A6-6AB382733EB7}" type="datetimeFigureOut">
               <a:rPr lang="pt-BR" smtClean="0"/>
-              <a:t>24/06/2024</a:t>
+              <a:t>28/06/2024</a:t>
             </a:fld>
             <a:endParaRPr lang="pt-BR"/>
           </a:p>
@@ -1213,7 +1213,7 @@
           <p:cNvPr id="11" name="Google Shape;99;p1">
             <a:extLst>
               <a:ext uri="{FF2B5EF4-FFF2-40B4-BE49-F238E27FC236}">
-                <a16:creationId xmlns:a16="http://schemas.microsoft.com/office/drawing/2014/main" id="{C89C81E2-5AA1-4DC2-9862-37B2AA378531}"/>
+                <a16:creationId xmlns="" xmlns:a16="http://schemas.microsoft.com/office/drawing/2014/main" id="{C89C81E2-5AA1-4DC2-9862-37B2AA378531}"/>
               </a:ext>
             </a:extLst>
           </p:cNvPr>
@@ -1530,7 +1530,7 @@
           <a:p>
             <a:fld id="{594ACB89-4662-4B0D-B4A6-6AB382733EB7}" type="datetimeFigureOut">
               <a:rPr lang="pt-BR" smtClean="0"/>
-              <a:t>24/06/2024</a:t>
+              <a:t>28/06/2024</a:t>
             </a:fld>
             <a:endParaRPr lang="pt-BR"/>
           </a:p>
@@ -1596,7 +1596,7 @@
           <p:cNvPr id="11" name="Google Shape;99;p1">
             <a:extLst>
               <a:ext uri="{FF2B5EF4-FFF2-40B4-BE49-F238E27FC236}">
-                <a16:creationId xmlns:a16="http://schemas.microsoft.com/office/drawing/2014/main" id="{C89C81E2-5AA1-4DC2-9862-37B2AA378531}"/>
+                <a16:creationId xmlns="" xmlns:a16="http://schemas.microsoft.com/office/drawing/2014/main" id="{C89C81E2-5AA1-4DC2-9862-37B2AA378531}"/>
               </a:ext>
             </a:extLst>
           </p:cNvPr>
@@ -1775,7 +1775,7 @@
           <p:cNvPr id="6" name="Imagem 5">
             <a:extLst>
               <a:ext uri="{FF2B5EF4-FFF2-40B4-BE49-F238E27FC236}">
-                <a16:creationId xmlns:a16="http://schemas.microsoft.com/office/drawing/2014/main" id="{F864F5F6-004E-448D-9B6C-49EAD3145F89}"/>
+                <a16:creationId xmlns="" xmlns:a16="http://schemas.microsoft.com/office/drawing/2014/main" id="{F864F5F6-004E-448D-9B6C-49EAD3145F89}"/>
               </a:ext>
             </a:extLst>
           </p:cNvPr>
@@ -1805,7 +1805,7 @@
           <p:cNvPr id="10" name="Espaço Reservado para Texto 2">
             <a:extLst>
               <a:ext uri="{FF2B5EF4-FFF2-40B4-BE49-F238E27FC236}">
-                <a16:creationId xmlns:a16="http://schemas.microsoft.com/office/drawing/2014/main" id="{3A037A5E-9D08-4C2F-B552-931AD93909DE}"/>
+                <a16:creationId xmlns="" xmlns:a16="http://schemas.microsoft.com/office/drawing/2014/main" id="{3A037A5E-9D08-4C2F-B552-931AD93909DE}"/>
               </a:ext>
             </a:extLst>
           </p:cNvPr>
@@ -2157,10 +2157,14 @@
               </a:spcBef>
             </a:pPr>
             <a:r>
-              <a:rPr lang="pt-BR" sz="1600" dirty="0">
+              <a:rPr lang="pt-BR" sz="1600" b="0" i="0" u="none" strike="noStrike" kern="1200" cap="none" dirty="0">
                 <a:solidFill>
                   <a:schemeClr val="bg1"/>
                 </a:solidFill>
+                <a:latin typeface="Calibri"/>
+                <a:ea typeface="Calibri"/>
+                <a:cs typeface="Calibri"/>
+                <a:sym typeface="Calibri"/>
               </a:rPr>
               <a:t>Secretário de Estado da Economia</a:t>
             </a:r>
@@ -2170,6 +2174,9 @@
               <a:lnSpc>
                 <a:spcPts val="1000"/>
               </a:lnSpc>
+              <a:spcBef>
+                <a:spcPts val="0"/>
+              </a:spcBef>
             </a:pPr>
             <a:endParaRPr lang="pt-BR" sz="1800" dirty="0">
               <a:solidFill>
@@ -2205,12 +2212,49 @@
               </a:spcBef>
             </a:pPr>
             <a:r>
-              <a:rPr lang="pt-BR" sz="1600" dirty="0">
+              <a:rPr lang="pt-BR" sz="1600" dirty="0" smtClean="0">
                 <a:solidFill>
                   <a:schemeClr val="bg1"/>
                 </a:solidFill>
               </a:rPr>
               <a:t>Secretária-Adjunta</a:t>
+            </a:r>
+          </a:p>
+          <a:p>
+            <a:pPr marL="114300" indent="0" algn="l">
+              <a:lnSpc>
+                <a:spcPts val="1000"/>
+              </a:lnSpc>
+              <a:spcBef>
+                <a:spcPts val="0"/>
+              </a:spcBef>
+            </a:pPr>
+            <a:endParaRPr lang="pt-BR" sz="1600" dirty="0" smtClean="0">
+              <a:solidFill>
+                <a:schemeClr val="bg1"/>
+              </a:solidFill>
+            </a:endParaRPr>
+          </a:p>
+          <a:p>
+            <a:pPr marL="114300" indent="0" algn="l">
+              <a:lnSpc>
+                <a:spcPct val="100000"/>
+              </a:lnSpc>
+              <a:spcBef>
+                <a:spcPts val="0"/>
+              </a:spcBef>
+            </a:pPr>
+            <a:r>
+              <a:rPr lang="pt-BR" sz="1800" b="1" i="0" u="none" strike="noStrike" kern="1200" cap="none" dirty="0" smtClean="0">
+                <a:solidFill>
+                  <a:schemeClr val="bg1"/>
+                </a:solidFill>
+                <a:latin typeface="Calibri"/>
+                <a:ea typeface="Calibri"/>
+                <a:cs typeface="Calibri"/>
+                <a:sym typeface="Calibri"/>
+              </a:rPr>
+              <a:t>RAFAEL BOSCO FERREIRA MELO</a:t>
             </a:r>
           </a:p>
           <a:p>
@@ -2237,52 +2281,23 @@
                 <a:spcPts val="0"/>
               </a:spcBef>
             </a:pPr>
-            <a:endParaRPr lang="pt-BR" sz="1800" dirty="0">
-              <a:solidFill>
-                <a:schemeClr val="bg1"/>
-              </a:solidFill>
-            </a:endParaRPr>
+            <a:r>
+              <a:rPr lang="pt-BR" sz="1600" b="0" i="0" u="none" strike="noStrike" kern="1200" cap="none" dirty="0" smtClean="0">
+                <a:solidFill>
+                  <a:schemeClr val="bg1"/>
+                </a:solidFill>
+                <a:latin typeface="Calibri"/>
+                <a:ea typeface="Calibri"/>
+                <a:cs typeface="Calibri"/>
+                <a:sym typeface="Calibri"/>
+              </a:rPr>
+              <a:t>Chefe de Gabinete</a:t>
+            </a:r>
           </a:p>
           <a:p>
             <a:pPr marL="114300" indent="0" algn="l">
               <a:lnSpc>
-                <a:spcPct val="100000"/>
-              </a:lnSpc>
-              <a:spcBef>
-                <a:spcPts val="0"/>
-              </a:spcBef>
-            </a:pPr>
-            <a:r>
-              <a:rPr lang="pt-BR" sz="1800" b="1" dirty="0">
-                <a:solidFill>
-                  <a:schemeClr val="bg1"/>
-                </a:solidFill>
-              </a:rPr>
-              <a:t>WEDERSON XAVIER DE OLIVEIRA</a:t>
-            </a:r>
-          </a:p>
-          <a:p>
-            <a:pPr marL="114300" indent="0" algn="l">
-              <a:lnSpc>
-                <a:spcPct val="100000"/>
-              </a:lnSpc>
-              <a:spcBef>
-                <a:spcPts val="0"/>
-              </a:spcBef>
-            </a:pPr>
-            <a:r>
-              <a:rPr lang="pt-BR" sz="1600" dirty="0">
-                <a:solidFill>
-                  <a:schemeClr val="bg1"/>
-                </a:solidFill>
-              </a:rPr>
-              <a:t>Subsecretário do Tesouro Estadual</a:t>
-            </a:r>
-          </a:p>
-          <a:p>
-            <a:pPr marL="114300" indent="0" algn="l">
-              <a:lnSpc>
-                <a:spcPct val="100000"/>
+                <a:spcPts val="1000"/>
               </a:lnSpc>
               <a:spcBef>
                 <a:spcPts val="0"/>
@@ -2309,7 +2324,7 @@
                   <a:schemeClr val="bg1"/>
                 </a:solidFill>
               </a:rPr>
-              <a:t>JULIANA CAMILO MANZI PORTO</a:t>
+              <a:t>WEDERSON XAVIER DE OLIVEIRA</a:t>
             </a:r>
           </a:p>
           <a:p>
@@ -2327,13 +2342,13 @@
                   <a:schemeClr val="bg1"/>
                 </a:solidFill>
               </a:rPr>
-              <a:t>Superintendente Financeiro</a:t>
+              <a:t>Subsecretário do Tesouro Estadual</a:t>
             </a:r>
           </a:p>
           <a:p>
             <a:pPr marL="114300" indent="0" algn="l">
               <a:lnSpc>
-                <a:spcPct val="100000"/>
+                <a:spcPts val="1000"/>
               </a:lnSpc>
               <a:spcBef>
                 <a:spcPts val="0"/>
@@ -2346,6 +2361,57 @@
             </a:endParaRPr>
           </a:p>
           <a:p>
+            <a:pPr marL="114300" indent="0" algn="l">
+              <a:lnSpc>
+                <a:spcPct val="100000"/>
+              </a:lnSpc>
+              <a:spcBef>
+                <a:spcPts val="0"/>
+              </a:spcBef>
+            </a:pPr>
+            <a:r>
+              <a:rPr lang="pt-BR" sz="1800" b="1" dirty="0">
+                <a:solidFill>
+                  <a:schemeClr val="bg1"/>
+                </a:solidFill>
+              </a:rPr>
+              <a:t>JULIANA CAMILO MANZI PORTO</a:t>
+            </a:r>
+          </a:p>
+          <a:p>
+            <a:pPr marL="114300" indent="0" algn="l">
+              <a:lnSpc>
+                <a:spcPct val="100000"/>
+              </a:lnSpc>
+              <a:spcBef>
+                <a:spcPts val="0"/>
+              </a:spcBef>
+            </a:pPr>
+            <a:r>
+              <a:rPr lang="pt-BR" sz="1600" dirty="0">
+                <a:solidFill>
+                  <a:schemeClr val="bg1"/>
+                </a:solidFill>
+              </a:rPr>
+              <a:t>Superintendente Financeiro</a:t>
+            </a:r>
+          </a:p>
+          <a:p>
+            <a:pPr marL="114300" indent="0" algn="l">
+              <a:lnSpc>
+                <a:spcPts val="1000"/>
+              </a:lnSpc>
+              <a:spcBef>
+                <a:spcPts val="0"/>
+              </a:spcBef>
+            </a:pPr>
+            <a:endParaRPr lang="pt-BR" sz="1600" dirty="0">
+              <a:solidFill>
+                <a:schemeClr val="bg1"/>
+              </a:solidFill>
+            </a:endParaRPr>
+          </a:p>
+          <a:p>
             <a:pPr marL="114300" marR="0" indent="0" algn="l" defTabSz="914400" rtl="0" eaLnBrk="1" latinLnBrk="0" hangingPunct="1">
               <a:lnSpc>
                 <a:spcPct val="100000"/>
@@ -2401,7 +2467,7 @@
           <a:p>
             <a:pPr marL="114300" indent="0" algn="l">
               <a:lnSpc>
-                <a:spcPct val="100000"/>
+                <a:spcPts val="1000"/>
               </a:lnSpc>
               <a:spcBef>
                 <a:spcPts val="0"/>
@@ -2464,7 +2530,15 @@
                   <a:schemeClr val="bg1"/>
                 </a:solidFill>
               </a:rPr>
-              <a:t>e Planejamento Financeiro</a:t>
+              <a:t>e Planejamento </a:t>
+            </a:r>
+            <a:r>
+              <a:rPr lang="pt-BR" sz="1600" dirty="0" smtClean="0">
+                <a:solidFill>
+                  <a:schemeClr val="bg1"/>
+                </a:solidFill>
+              </a:rPr>
+              <a:t>Financeiro</a:t>
             </a:r>
           </a:p>
           <a:p>
@@ -2476,28 +2550,21 @@
                 <a:spcPts val="0"/>
               </a:spcBef>
             </a:pPr>
-            <a:endParaRPr lang="pt-BR" sz="1050" dirty="0">
-              <a:solidFill>
-                <a:schemeClr val="bg1"/>
-              </a:solidFill>
-            </a:endParaRPr>
-          </a:p>
-          <a:p>
-            <a:pPr marL="114300" indent="0" algn="l">
-              <a:lnSpc>
-                <a:spcPct val="100000"/>
-              </a:lnSpc>
-              <a:spcBef>
-                <a:spcPts val="0"/>
-              </a:spcBef>
-            </a:pPr>
+            <a:r>
+              <a:rPr lang="pt-BR" sz="1600" b="1" dirty="0" smtClean="0">
+                <a:solidFill>
+                  <a:schemeClr val="bg1"/>
+                </a:solidFill>
+              </a:rPr>
+              <a:t>EQUIPE </a:t>
+            </a:r>
             <a:r>
               <a:rPr lang="pt-BR" sz="1600" b="1" dirty="0">
                 <a:solidFill>
                   <a:schemeClr val="bg1"/>
                 </a:solidFill>
               </a:rPr>
-              <a:t>EQUIPE TÉCNICA </a:t>
+              <a:t>TÉCNICA </a:t>
             </a:r>
           </a:p>
           <a:p>
@@ -2550,29 +2617,6 @@
               </a:rPr>
               <a:t>Raphael Maciel de Lima</a:t>
             </a:r>
-          </a:p>
-          <a:p>
-            <a:pPr marL="114300" indent="0" algn="l">
-              <a:lnSpc>
-                <a:spcPct val="100000"/>
-              </a:lnSpc>
-              <a:spcBef>
-                <a:spcPts val="0"/>
-              </a:spcBef>
-            </a:pPr>
-            <a:r>
-              <a:rPr lang="pt-BR" sz="1600" dirty="0">
-                <a:solidFill>
-                  <a:schemeClr val="bg1"/>
-                </a:solidFill>
-              </a:rPr>
-              <a:t>Paulo Roberto Scalco</a:t>
-            </a:r>
-            <a:endParaRPr lang="pt-BR" sz="1400" dirty="0">
-              <a:solidFill>
-                <a:schemeClr val="bg1"/>
-              </a:solidFill>
-            </a:endParaRPr>
           </a:p>
           <a:p>
             <a:pPr marL="114300" indent="0">
@@ -3141,7 +3185,7 @@
           <a:p>
             <a:fld id="{594ACB89-4662-4B0D-B4A6-6AB382733EB7}" type="datetimeFigureOut">
               <a:rPr lang="pt-BR" smtClean="0"/>
-              <a:t>24/06/2024</a:t>
+              <a:t>28/06/2024</a:t>
             </a:fld>
             <a:endParaRPr lang="pt-BR"/>
           </a:p>
@@ -3207,7 +3251,7 @@
           <p:cNvPr id="8" name="Google Shape;99;p1">
             <a:extLst>
               <a:ext uri="{FF2B5EF4-FFF2-40B4-BE49-F238E27FC236}">
-                <a16:creationId xmlns:a16="http://schemas.microsoft.com/office/drawing/2014/main" id="{C89C81E2-5AA1-4DC2-9862-37B2AA378531}"/>
+                <a16:creationId xmlns="" xmlns:a16="http://schemas.microsoft.com/office/drawing/2014/main" id="{C89C81E2-5AA1-4DC2-9862-37B2AA378531}"/>
               </a:ext>
             </a:extLst>
           </p:cNvPr>
@@ -3388,7 +3432,7 @@
           <p:cNvPr id="12" name="Subtítulo 2">
             <a:extLst>
               <a:ext uri="{FF2B5EF4-FFF2-40B4-BE49-F238E27FC236}">
-                <a16:creationId xmlns:a16="http://schemas.microsoft.com/office/drawing/2014/main" id="{A7872648-BA39-4DB2-AE89-6A10579AD6EF}"/>
+                <a16:creationId xmlns="" xmlns:a16="http://schemas.microsoft.com/office/drawing/2014/main" id="{A7872648-BA39-4DB2-AE89-6A10579AD6EF}"/>
               </a:ext>
             </a:extLst>
           </p:cNvPr>
@@ -3511,7 +3555,7 @@
           <p:cNvPr id="10" name="Imagem 9">
             <a:extLst>
               <a:ext uri="{FF2B5EF4-FFF2-40B4-BE49-F238E27FC236}">
-                <a16:creationId xmlns:a16="http://schemas.microsoft.com/office/drawing/2014/main" id="{71A80B54-C860-4BA2-B87D-C4589EA9BA7E}"/>
+                <a16:creationId xmlns="" xmlns:a16="http://schemas.microsoft.com/office/drawing/2014/main" id="{71A80B54-C860-4BA2-B87D-C4589EA9BA7E}"/>
               </a:ext>
             </a:extLst>
           </p:cNvPr>
@@ -3746,7 +3790,7 @@
           <p:cNvPr id="11" name="Google Shape;192;p9">
             <a:extLst>
               <a:ext uri="{FF2B5EF4-FFF2-40B4-BE49-F238E27FC236}">
-                <a16:creationId xmlns:a16="http://schemas.microsoft.com/office/drawing/2014/main" id="{9FF45E9E-E00B-4624-83A3-89B863583FD8}"/>
+                <a16:creationId xmlns="" xmlns:a16="http://schemas.microsoft.com/office/drawing/2014/main" id="{9FF45E9E-E00B-4624-83A3-89B863583FD8}"/>
               </a:ext>
             </a:extLst>
           </p:cNvPr>
@@ -3965,7 +4009,7 @@
           <a:p>
             <a:fld id="{594ACB89-4662-4B0D-B4A6-6AB382733EB7}" type="datetimeFigureOut">
               <a:rPr lang="pt-BR" smtClean="0"/>
-              <a:t>24/06/2024</a:t>
+              <a:t>28/06/2024</a:t>
             </a:fld>
             <a:endParaRPr lang="pt-BR"/>
           </a:p>
@@ -4081,7 +4125,7 @@
           <p:cNvPr id="12" name="Google Shape;99;p1">
             <a:extLst>
               <a:ext uri="{FF2B5EF4-FFF2-40B4-BE49-F238E27FC236}">
-                <a16:creationId xmlns:a16="http://schemas.microsoft.com/office/drawing/2014/main" id="{C89C81E2-5AA1-4DC2-9862-37B2AA378531}"/>
+                <a16:creationId xmlns="" xmlns:a16="http://schemas.microsoft.com/office/drawing/2014/main" id="{C89C81E2-5AA1-4DC2-9862-37B2AA378531}"/>
               </a:ext>
             </a:extLst>
           </p:cNvPr>
@@ -4557,7 +4601,7 @@
           <a:p>
             <a:fld id="{594ACB89-4662-4B0D-B4A6-6AB382733EB7}" type="datetimeFigureOut">
               <a:rPr lang="pt-BR" smtClean="0"/>
-              <a:t>24/06/2024</a:t>
+              <a:t>28/06/2024</a:t>
             </a:fld>
             <a:endParaRPr lang="pt-BR"/>
           </a:p>
@@ -4673,7 +4717,7 @@
           <p:cNvPr id="14" name="Google Shape;99;p1">
             <a:extLst>
               <a:ext uri="{FF2B5EF4-FFF2-40B4-BE49-F238E27FC236}">
-                <a16:creationId xmlns:a16="http://schemas.microsoft.com/office/drawing/2014/main" id="{C89C81E2-5AA1-4DC2-9862-37B2AA378531}"/>
+                <a16:creationId xmlns="" xmlns:a16="http://schemas.microsoft.com/office/drawing/2014/main" id="{C89C81E2-5AA1-4DC2-9862-37B2AA378531}"/>
               </a:ext>
             </a:extLst>
           </p:cNvPr>
@@ -4907,7 +4951,7 @@
           <a:p>
             <a:fld id="{594ACB89-4662-4B0D-B4A6-6AB382733EB7}" type="datetimeFigureOut">
               <a:rPr lang="pt-BR" smtClean="0"/>
-              <a:t>24/06/2024</a:t>
+              <a:t>28/06/2024</a:t>
             </a:fld>
             <a:endParaRPr lang="pt-BR"/>
           </a:p>
@@ -5023,7 +5067,7 @@
           <p:cNvPr id="10" name="Google Shape;99;p1">
             <a:extLst>
               <a:ext uri="{FF2B5EF4-FFF2-40B4-BE49-F238E27FC236}">
-                <a16:creationId xmlns:a16="http://schemas.microsoft.com/office/drawing/2014/main" id="{C89C81E2-5AA1-4DC2-9862-37B2AA378531}"/>
+                <a16:creationId xmlns="" xmlns:a16="http://schemas.microsoft.com/office/drawing/2014/main" id="{C89C81E2-5AA1-4DC2-9862-37B2AA378531}"/>
               </a:ext>
             </a:extLst>
           </p:cNvPr>
@@ -5257,7 +5301,7 @@
           <a:p>
             <a:fld id="{594ACB89-4662-4B0D-B4A6-6AB382733EB7}" type="datetimeFigureOut">
               <a:rPr lang="pt-BR" smtClean="0"/>
-              <a:t>24/06/2024</a:t>
+              <a:t>28/06/2024</a:t>
             </a:fld>
             <a:endParaRPr lang="pt-BR"/>
           </a:p>
@@ -5373,7 +5417,7 @@
           <p:cNvPr id="9" name="Google Shape;99;p1">
             <a:extLst>
               <a:ext uri="{FF2B5EF4-FFF2-40B4-BE49-F238E27FC236}">
-                <a16:creationId xmlns:a16="http://schemas.microsoft.com/office/drawing/2014/main" id="{C89C81E2-5AA1-4DC2-9862-37B2AA378531}"/>
+                <a16:creationId xmlns="" xmlns:a16="http://schemas.microsoft.com/office/drawing/2014/main" id="{C89C81E2-5AA1-4DC2-9862-37B2AA378531}"/>
               </a:ext>
             </a:extLst>
           </p:cNvPr>
@@ -5788,7 +5832,7 @@
           <a:p>
             <a:fld id="{594ACB89-4662-4B0D-B4A6-6AB382733EB7}" type="datetimeFigureOut">
               <a:rPr lang="pt-BR" smtClean="0"/>
-              <a:t>24/06/2024</a:t>
+              <a:t>28/06/2024</a:t>
             </a:fld>
             <a:endParaRPr lang="pt-BR"/>
           </a:p>
@@ -5904,7 +5948,7 @@
           <p:cNvPr id="12" name="Google Shape;99;p1">
             <a:extLst>
               <a:ext uri="{FF2B5EF4-FFF2-40B4-BE49-F238E27FC236}">
-                <a16:creationId xmlns:a16="http://schemas.microsoft.com/office/drawing/2014/main" id="{C89C81E2-5AA1-4DC2-9862-37B2AA378531}"/>
+                <a16:creationId xmlns="" xmlns:a16="http://schemas.microsoft.com/office/drawing/2014/main" id="{C89C81E2-5AA1-4DC2-9862-37B2AA378531}"/>
               </a:ext>
             </a:extLst>
           </p:cNvPr>
@@ -6207,7 +6251,7 @@
           <a:p>
             <a:fld id="{594ACB89-4662-4B0D-B4A6-6AB382733EB7}" type="datetimeFigureOut">
               <a:rPr lang="pt-BR" smtClean="0"/>
-              <a:t>24/06/2024</a:t>
+              <a:t>28/06/2024</a:t>
             </a:fld>
             <a:endParaRPr lang="pt-BR"/>
           </a:p>
@@ -6273,7 +6317,7 @@
           <p:cNvPr id="12" name="Google Shape;99;p1">
             <a:extLst>
               <a:ext uri="{FF2B5EF4-FFF2-40B4-BE49-F238E27FC236}">
-                <a16:creationId xmlns:a16="http://schemas.microsoft.com/office/drawing/2014/main" id="{C89C81E2-5AA1-4DC2-9862-37B2AA378531}"/>
+                <a16:creationId xmlns="" xmlns:a16="http://schemas.microsoft.com/office/drawing/2014/main" id="{C89C81E2-5AA1-4DC2-9862-37B2AA378531}"/>
               </a:ext>
             </a:extLst>
           </p:cNvPr>
@@ -6580,7 +6624,7 @@
           <a:p>
             <a:fld id="{594ACB89-4662-4B0D-B4A6-6AB382733EB7}" type="datetimeFigureOut">
               <a:rPr lang="pt-BR" smtClean="0"/>
-              <a:t>24/06/2024</a:t>
+              <a:t>28/06/2024</a:t>
             </a:fld>
             <a:endParaRPr lang="pt-BR"/>
           </a:p>
@@ -6672,7 +6716,7 @@
           <p:cNvPr id="8" name="Google Shape;99;p1">
             <a:extLst>
               <a:ext uri="{FF2B5EF4-FFF2-40B4-BE49-F238E27FC236}">
-                <a16:creationId xmlns:a16="http://schemas.microsoft.com/office/drawing/2014/main" id="{C89C81E2-5AA1-4DC2-9862-37B2AA378531}"/>
+                <a16:creationId xmlns="" xmlns:a16="http://schemas.microsoft.com/office/drawing/2014/main" id="{C89C81E2-5AA1-4DC2-9862-37B2AA378531}"/>
               </a:ext>
             </a:extLst>
           </p:cNvPr>

--- a/template.pptx
+++ b/template.pptx
@@ -134,7 +134,7 @@
           <p:cNvPr id="7" name="Imagem 6">
             <a:extLst>
               <a:ext uri="{FF2B5EF4-FFF2-40B4-BE49-F238E27FC236}">
-                <a16:creationId xmlns="" xmlns:a16="http://schemas.microsoft.com/office/drawing/2014/main" id="{0659555A-62B8-4F41-8CA4-1B3A3EA14739}"/>
+                <a16:creationId xmlns:a16="http://schemas.microsoft.com/office/drawing/2014/main" xmlns="" id="{0659555A-62B8-4F41-8CA4-1B3A3EA14739}"/>
               </a:ext>
             </a:extLst>
           </p:cNvPr>
@@ -291,7 +291,7 @@
           <p:cNvPr id="8" name="Google Shape;97;p1">
             <a:extLst>
               <a:ext uri="{FF2B5EF4-FFF2-40B4-BE49-F238E27FC236}">
-                <a16:creationId xmlns="" xmlns:a16="http://schemas.microsoft.com/office/drawing/2014/main" id="{43A72E65-A81B-49CC-8B20-CF404F1BF450}"/>
+                <a16:creationId xmlns:a16="http://schemas.microsoft.com/office/drawing/2014/main" xmlns="" id="{43A72E65-A81B-49CC-8B20-CF404F1BF450}"/>
               </a:ext>
             </a:extLst>
           </p:cNvPr>
@@ -331,7 +331,7 @@
           <p:cNvPr id="9" name="Google Shape;99;p1">
             <a:extLst>
               <a:ext uri="{FF2B5EF4-FFF2-40B4-BE49-F238E27FC236}">
-                <a16:creationId xmlns="" xmlns:a16="http://schemas.microsoft.com/office/drawing/2014/main" id="{DE5005F3-3792-41C9-8075-52A42497510B}"/>
+                <a16:creationId xmlns:a16="http://schemas.microsoft.com/office/drawing/2014/main" xmlns="" id="{DE5005F3-3792-41C9-8075-52A42497510B}"/>
               </a:ext>
             </a:extLst>
           </p:cNvPr>
@@ -672,7 +672,7 @@
           <p:cNvPr id="13" name="Google Shape;97;p1">
             <a:extLst>
               <a:ext uri="{FF2B5EF4-FFF2-40B4-BE49-F238E27FC236}">
-                <a16:creationId xmlns="" xmlns:a16="http://schemas.microsoft.com/office/drawing/2014/main" id="{702CC660-5243-4637-BA40-9715ABC4259A}"/>
+                <a16:creationId xmlns:a16="http://schemas.microsoft.com/office/drawing/2014/main" xmlns="" id="{702CC660-5243-4637-BA40-9715ABC4259A}"/>
               </a:ext>
             </a:extLst>
           </p:cNvPr>
@@ -712,7 +712,7 @@
           <p:cNvPr id="14" name="Google Shape;105;p2">
             <a:extLst>
               <a:ext uri="{FF2B5EF4-FFF2-40B4-BE49-F238E27FC236}">
-                <a16:creationId xmlns="" xmlns:a16="http://schemas.microsoft.com/office/drawing/2014/main" id="{FA8293DE-D603-4C5F-95AA-E3B19769D683}"/>
+                <a16:creationId xmlns:a16="http://schemas.microsoft.com/office/drawing/2014/main" xmlns="" id="{FA8293DE-D603-4C5F-95AA-E3B19769D683}"/>
               </a:ext>
             </a:extLst>
           </p:cNvPr>
@@ -1008,8 +1008,8 @@
 </file>
 
 <file path=ppt/slideLayouts/slideLayout10.xml><?xml version="1.0" encoding="utf-8"?>
-<p:sldLayout xmlns:a="http://schemas.openxmlformats.org/drawingml/2006/main" xmlns:r="http://schemas.openxmlformats.org/officeDocument/2006/relationships" xmlns:p="http://schemas.openxmlformats.org/presentationml/2006/main" preserve="1" userDrawn="1">
-  <p:cSld name="Título e texto vertical">
+<p:sldLayout xmlns:a="http://schemas.openxmlformats.org/drawingml/2006/main" xmlns:r="http://schemas.openxmlformats.org/officeDocument/2006/relationships" xmlns:p="http://schemas.openxmlformats.org/presentationml/2006/main" type="picTx" preserve="1">
+  <p:cSld name="Imagem com Legenda">
     <p:spTree>
       <p:nvGrpSpPr>
         <p:cNvPr id="1" name=""/>
@@ -1026,18 +1026,152 @@
       </p:grpSpPr>
       <p:sp>
         <p:nvSpPr>
-          <p:cNvPr id="3" name="Espaço Reservado para Texto Vertical 2"/>
+          <p:cNvPr id="2" name="Título 1"/>
           <p:cNvSpPr>
             <a:spLocks noGrp="1"/>
           </p:cNvSpPr>
           <p:nvPr>
-            <p:ph type="body" orient="vert" idx="1"/>
+            <p:ph type="title"/>
           </p:nvPr>
         </p:nvSpPr>
-        <p:spPr/>
-        <p:txBody>
-          <a:bodyPr vert="eaVert"/>
-          <a:lstStyle/>
+        <p:spPr>
+          <a:xfrm>
+            <a:off x="1001282" y="457200"/>
+            <a:ext cx="3770743" cy="1600200"/>
+          </a:xfrm>
+        </p:spPr>
+        <p:txBody>
+          <a:bodyPr anchor="b"/>
+          <a:lstStyle>
+            <a:lvl1pPr>
+              <a:defRPr sz="3200"/>
+            </a:lvl1pPr>
+          </a:lstStyle>
+          <a:p>
+            <a:r>
+              <a:rPr lang="pt-BR"/>
+              <a:t>Clique para editar o título mestre</a:t>
+            </a:r>
+          </a:p>
+        </p:txBody>
+      </p:sp>
+      <p:sp>
+        <p:nvSpPr>
+          <p:cNvPr id="3" name="Espaço Reservado para Imagem 2"/>
+          <p:cNvSpPr>
+            <a:spLocks noGrp="1"/>
+          </p:cNvSpPr>
+          <p:nvPr>
+            <p:ph type="pic" idx="1"/>
+          </p:nvPr>
+        </p:nvSpPr>
+        <p:spPr>
+          <a:xfrm>
+            <a:off x="5183188" y="987425"/>
+            <a:ext cx="6172200" cy="4873625"/>
+          </a:xfrm>
+        </p:spPr>
+        <p:txBody>
+          <a:bodyPr/>
+          <a:lstStyle>
+            <a:lvl1pPr marL="0" indent="0">
+              <a:buNone/>
+              <a:defRPr sz="3200"/>
+            </a:lvl1pPr>
+            <a:lvl2pPr marL="457200" indent="0">
+              <a:buNone/>
+              <a:defRPr sz="2800"/>
+            </a:lvl2pPr>
+            <a:lvl3pPr marL="914400" indent="0">
+              <a:buNone/>
+              <a:defRPr sz="2400"/>
+            </a:lvl3pPr>
+            <a:lvl4pPr marL="1371600" indent="0">
+              <a:buNone/>
+              <a:defRPr sz="2000"/>
+            </a:lvl4pPr>
+            <a:lvl5pPr marL="1828800" indent="0">
+              <a:buNone/>
+              <a:defRPr sz="2000"/>
+            </a:lvl5pPr>
+            <a:lvl6pPr marL="2286000" indent="0">
+              <a:buNone/>
+              <a:defRPr sz="2000"/>
+            </a:lvl6pPr>
+            <a:lvl7pPr marL="2743200" indent="0">
+              <a:buNone/>
+              <a:defRPr sz="2000"/>
+            </a:lvl7pPr>
+            <a:lvl8pPr marL="3200400" indent="0">
+              <a:buNone/>
+              <a:defRPr sz="2000"/>
+            </a:lvl8pPr>
+            <a:lvl9pPr marL="3657600" indent="0">
+              <a:buNone/>
+              <a:defRPr sz="2000"/>
+            </a:lvl9pPr>
+          </a:lstStyle>
+          <a:p>
+            <a:endParaRPr lang="pt-BR"/>
+          </a:p>
+        </p:txBody>
+      </p:sp>
+      <p:sp>
+        <p:nvSpPr>
+          <p:cNvPr id="4" name="Espaço Reservado para Texto 3"/>
+          <p:cNvSpPr>
+            <a:spLocks noGrp="1"/>
+          </p:cNvSpPr>
+          <p:nvPr>
+            <p:ph type="body" sz="half" idx="2"/>
+          </p:nvPr>
+        </p:nvSpPr>
+        <p:spPr>
+          <a:xfrm>
+            <a:off x="839788" y="2057400"/>
+            <a:ext cx="3932237" cy="3811588"/>
+          </a:xfrm>
+        </p:spPr>
+        <p:txBody>
+          <a:bodyPr/>
+          <a:lstStyle>
+            <a:lvl1pPr marL="0" indent="0">
+              <a:buNone/>
+              <a:defRPr sz="1600"/>
+            </a:lvl1pPr>
+            <a:lvl2pPr marL="457200" indent="0">
+              <a:buNone/>
+              <a:defRPr sz="1400"/>
+            </a:lvl2pPr>
+            <a:lvl3pPr marL="914400" indent="0">
+              <a:buNone/>
+              <a:defRPr sz="1200"/>
+            </a:lvl3pPr>
+            <a:lvl4pPr marL="1371600" indent="0">
+              <a:buNone/>
+              <a:defRPr sz="1000"/>
+            </a:lvl4pPr>
+            <a:lvl5pPr marL="1828800" indent="0">
+              <a:buNone/>
+              <a:defRPr sz="1000"/>
+            </a:lvl5pPr>
+            <a:lvl6pPr marL="2286000" indent="0">
+              <a:buNone/>
+              <a:defRPr sz="1000"/>
+            </a:lvl6pPr>
+            <a:lvl7pPr marL="2743200" indent="0">
+              <a:buNone/>
+              <a:defRPr sz="1000"/>
+            </a:lvl7pPr>
+            <a:lvl8pPr marL="3200400" indent="0">
+              <a:buNone/>
+              <a:defRPr sz="1000"/>
+            </a:lvl8pPr>
+            <a:lvl9pPr marL="3657600" indent="0">
+              <a:buNone/>
+              <a:defRPr sz="1000"/>
+            </a:lvl9pPr>
+          </a:lstStyle>
           <a:p>
             <a:pPr lvl="0"/>
             <a:r>
@@ -1045,39 +1179,11 @@
               <a:t>Clique para editar o texto mestre</a:t>
             </a:r>
           </a:p>
-          <a:p>
-            <a:pPr lvl="1"/>
-            <a:r>
-              <a:rPr lang="pt-BR"/>
-              <a:t>Segundo nível</a:t>
-            </a:r>
-          </a:p>
-          <a:p>
-            <a:pPr lvl="2"/>
-            <a:r>
-              <a:rPr lang="pt-BR"/>
-              <a:t>Terceiro nível</a:t>
-            </a:r>
-          </a:p>
-          <a:p>
-            <a:pPr lvl="3"/>
-            <a:r>
-              <a:rPr lang="pt-BR"/>
-              <a:t>Quarto nível</a:t>
-            </a:r>
-          </a:p>
-          <a:p>
-            <a:pPr lvl="4"/>
-            <a:r>
-              <a:rPr lang="pt-BR"/>
-              <a:t>Quinto nível</a:t>
-            </a:r>
-          </a:p>
-        </p:txBody>
-      </p:sp>
-      <p:sp>
-        <p:nvSpPr>
-          <p:cNvPr id="7" name="Espaço Reservado para Data 3"/>
+        </p:txBody>
+      </p:sp>
+      <p:sp>
+        <p:nvSpPr>
+          <p:cNvPr id="8" name="Espaço Reservado para Data 3"/>
           <p:cNvSpPr>
             <a:spLocks noGrp="1"/>
           </p:cNvSpPr>
@@ -1097,7 +1203,7 @@
           <a:p>
             <a:fld id="{594ACB89-4662-4B0D-B4A6-6AB382733EB7}" type="datetimeFigureOut">
               <a:rPr lang="pt-BR" smtClean="0"/>
-              <a:t>28/06/2024</a:t>
+              <a:t>04/07/2024</a:t>
             </a:fld>
             <a:endParaRPr lang="pt-BR"/>
           </a:p>
@@ -1105,7 +1211,7 @@
       </p:sp>
       <p:sp>
         <p:nvSpPr>
-          <p:cNvPr id="8" name="Espaço Reservado para Rodapé 4"/>
+          <p:cNvPr id="9" name="Espaço Reservado para Rodapé 4"/>
           <p:cNvSpPr>
             <a:spLocks noGrp="1"/>
           </p:cNvSpPr>
@@ -1132,7 +1238,7 @@
       </p:sp>
       <p:sp>
         <p:nvSpPr>
-          <p:cNvPr id="9" name="Espaço Reservado para Número de Slide 5"/>
+          <p:cNvPr id="10" name="Espaço Reservado para Número de Slide 5"/>
           <p:cNvSpPr>
             <a:spLocks noGrp="1"/>
           </p:cNvSpPr>
@@ -1158,62 +1264,12 @@
           </a:p>
         </p:txBody>
       </p:sp>
-      <p:sp>
-        <p:nvSpPr>
-          <p:cNvPr id="10" name="Retângulo 9"/>
-          <p:cNvSpPr/>
-          <p:nvPr userDrawn="1"/>
-        </p:nvSpPr>
-        <p:spPr>
-          <a:xfrm>
-            <a:off x="0" y="0"/>
-            <a:ext cx="365202" cy="830996"/>
-          </a:xfrm>
-          <a:prstGeom prst="rect">
-            <a:avLst/>
-          </a:prstGeom>
-          <a:solidFill>
-            <a:srgbClr val="008666"/>
-          </a:solidFill>
-          <a:ln>
-            <a:noFill/>
-          </a:ln>
-        </p:spPr>
-        <p:style>
-          <a:lnRef idx="2">
-            <a:schemeClr val="accent1">
-              <a:shade val="50000"/>
-            </a:schemeClr>
-          </a:lnRef>
-          <a:fillRef idx="1">
-            <a:schemeClr val="accent1"/>
-          </a:fillRef>
-          <a:effectRef idx="0">
-            <a:schemeClr val="accent1"/>
-          </a:effectRef>
-          <a:fontRef idx="minor">
-            <a:schemeClr val="lt1"/>
-          </a:fontRef>
-        </p:style>
-        <p:txBody>
-          <a:bodyPr rtlCol="0" anchor="ctr"/>
-          <a:lstStyle/>
-          <a:p>
-            <a:pPr algn="ctr"/>
-            <a:endParaRPr lang="pt-BR" dirty="0">
-              <a:solidFill>
-                <a:srgbClr val="006E54"/>
-              </a:solidFill>
-            </a:endParaRPr>
-          </a:p>
-        </p:txBody>
-      </p:sp>
       <p:pic>
         <p:nvPicPr>
-          <p:cNvPr id="11" name="Google Shape;99;p1">
+          <p:cNvPr id="12" name="Google Shape;99;p1">
             <a:extLst>
               <a:ext uri="{FF2B5EF4-FFF2-40B4-BE49-F238E27FC236}">
-                <a16:creationId xmlns="" xmlns:a16="http://schemas.microsoft.com/office/drawing/2014/main" id="{C89C81E2-5AA1-4DC2-9862-37B2AA378531}"/>
+                <a16:creationId xmlns:a16="http://schemas.microsoft.com/office/drawing/2014/main" xmlns="" id="{C89C81E2-5AA1-4DC2-9862-37B2AA378531}"/>
               </a:ext>
             </a:extLst>
           </p:cNvPr>
@@ -1268,9 +1324,59 @@
           </a:extLst>
         </p:spPr>
       </p:pic>
+      <p:sp>
+        <p:nvSpPr>
+          <p:cNvPr id="13" name="Retângulo 12"/>
+          <p:cNvSpPr/>
+          <p:nvPr userDrawn="1"/>
+        </p:nvSpPr>
+        <p:spPr>
+          <a:xfrm>
+            <a:off x="838200" y="457200"/>
+            <a:ext cx="163082" cy="1600199"/>
+          </a:xfrm>
+          <a:prstGeom prst="rect">
+            <a:avLst/>
+          </a:prstGeom>
+          <a:solidFill>
+            <a:srgbClr val="008666"/>
+          </a:solidFill>
+          <a:ln>
+            <a:noFill/>
+          </a:ln>
+        </p:spPr>
+        <p:style>
+          <a:lnRef idx="2">
+            <a:schemeClr val="accent1">
+              <a:shade val="50000"/>
+            </a:schemeClr>
+          </a:lnRef>
+          <a:fillRef idx="1">
+            <a:schemeClr val="accent1"/>
+          </a:fillRef>
+          <a:effectRef idx="0">
+            <a:schemeClr val="accent1"/>
+          </a:effectRef>
+          <a:fontRef idx="minor">
+            <a:schemeClr val="lt1"/>
+          </a:fontRef>
+        </p:style>
+        <p:txBody>
+          <a:bodyPr rtlCol="0" anchor="ctr"/>
+          <a:lstStyle/>
+          <a:p>
+            <a:pPr algn="ctr"/>
+            <a:endParaRPr lang="pt-BR" dirty="0">
+              <a:solidFill>
+                <a:srgbClr val="006E54"/>
+              </a:solidFill>
+            </a:endParaRPr>
+          </a:p>
+        </p:txBody>
+      </p:sp>
       <p:cxnSp>
         <p:nvCxnSpPr>
-          <p:cNvPr id="12" name="Conector reto 11"/>
+          <p:cNvPr id="14" name="Conector reto 13"/>
           <p:cNvCxnSpPr/>
           <p:nvPr userDrawn="1"/>
         </p:nvCxnSpPr>
@@ -1307,6 +1413,319 @@
           </a:fontRef>
         </p:style>
       </p:cxnSp>
+    </p:spTree>
+    <p:extLst>
+      <p:ext uri="{BB962C8B-B14F-4D97-AF65-F5344CB8AC3E}">
+        <p14:creationId xmlns:p14="http://schemas.microsoft.com/office/powerpoint/2010/main" val="1008314963"/>
+      </p:ext>
+    </p:extLst>
+  </p:cSld>
+  <p:clrMapOvr>
+    <a:masterClrMapping/>
+  </p:clrMapOvr>
+</p:sldLayout>
+</file>
+
+<file path=ppt/slideLayouts/slideLayout11.xml><?xml version="1.0" encoding="utf-8"?>
+<p:sldLayout xmlns:a="http://schemas.openxmlformats.org/drawingml/2006/main" xmlns:r="http://schemas.openxmlformats.org/officeDocument/2006/relationships" xmlns:p="http://schemas.openxmlformats.org/presentationml/2006/main" preserve="1" userDrawn="1">
+  <p:cSld name="Título e texto vertical">
+    <p:spTree>
+      <p:nvGrpSpPr>
+        <p:cNvPr id="1" name=""/>
+        <p:cNvGrpSpPr/>
+        <p:nvPr/>
+      </p:nvGrpSpPr>
+      <p:grpSpPr>
+        <a:xfrm>
+          <a:off x="0" y="0"/>
+          <a:ext cx="0" cy="0"/>
+          <a:chOff x="0" y="0"/>
+          <a:chExt cx="0" cy="0"/>
+        </a:xfrm>
+      </p:grpSpPr>
+      <p:sp>
+        <p:nvSpPr>
+          <p:cNvPr id="3" name="Espaço Reservado para Texto Vertical 2"/>
+          <p:cNvSpPr>
+            <a:spLocks noGrp="1"/>
+          </p:cNvSpPr>
+          <p:nvPr>
+            <p:ph type="body" orient="vert" idx="1"/>
+          </p:nvPr>
+        </p:nvSpPr>
+        <p:spPr/>
+        <p:txBody>
+          <a:bodyPr vert="eaVert"/>
+          <a:lstStyle/>
+          <a:p>
+            <a:pPr lvl="0"/>
+            <a:r>
+              <a:rPr lang="pt-BR"/>
+              <a:t>Clique para editar o texto mestre</a:t>
+            </a:r>
+          </a:p>
+          <a:p>
+            <a:pPr lvl="1"/>
+            <a:r>
+              <a:rPr lang="pt-BR"/>
+              <a:t>Segundo nível</a:t>
+            </a:r>
+          </a:p>
+          <a:p>
+            <a:pPr lvl="2"/>
+            <a:r>
+              <a:rPr lang="pt-BR"/>
+              <a:t>Terceiro nível</a:t>
+            </a:r>
+          </a:p>
+          <a:p>
+            <a:pPr lvl="3"/>
+            <a:r>
+              <a:rPr lang="pt-BR"/>
+              <a:t>Quarto nível</a:t>
+            </a:r>
+          </a:p>
+          <a:p>
+            <a:pPr lvl="4"/>
+            <a:r>
+              <a:rPr lang="pt-BR"/>
+              <a:t>Quinto nível</a:t>
+            </a:r>
+          </a:p>
+        </p:txBody>
+      </p:sp>
+      <p:sp>
+        <p:nvSpPr>
+          <p:cNvPr id="7" name="Espaço Reservado para Data 3"/>
+          <p:cNvSpPr>
+            <a:spLocks noGrp="1"/>
+          </p:cNvSpPr>
+          <p:nvPr>
+            <p:ph type="dt" sz="half" idx="10"/>
+          </p:nvPr>
+        </p:nvSpPr>
+        <p:spPr>
+          <a:xfrm>
+            <a:off x="838200" y="6472341"/>
+            <a:ext cx="2743200" cy="365125"/>
+          </a:xfrm>
+        </p:spPr>
+        <p:txBody>
+          <a:bodyPr/>
+          <a:lstStyle/>
+          <a:p>
+            <a:fld id="{594ACB89-4662-4B0D-B4A6-6AB382733EB7}" type="datetimeFigureOut">
+              <a:rPr lang="pt-BR" smtClean="0"/>
+              <a:t>04/07/2024</a:t>
+            </a:fld>
+            <a:endParaRPr lang="pt-BR"/>
+          </a:p>
+        </p:txBody>
+      </p:sp>
+      <p:sp>
+        <p:nvSpPr>
+          <p:cNvPr id="8" name="Espaço Reservado para Rodapé 4"/>
+          <p:cNvSpPr>
+            <a:spLocks noGrp="1"/>
+          </p:cNvSpPr>
+          <p:nvPr>
+            <p:ph type="ftr" sz="quarter" idx="11"/>
+          </p:nvPr>
+        </p:nvSpPr>
+        <p:spPr>
+          <a:xfrm>
+            <a:off x="4038600" y="6472341"/>
+            <a:ext cx="4114800" cy="365125"/>
+          </a:xfrm>
+        </p:spPr>
+        <p:txBody>
+          <a:bodyPr/>
+          <a:lstStyle/>
+          <a:p>
+            <a:r>
+              <a:rPr lang="pt-BR" dirty="0"/>
+              <a:t>Secretaria de Estado da Economia</a:t>
+            </a:r>
+          </a:p>
+        </p:txBody>
+      </p:sp>
+      <p:sp>
+        <p:nvSpPr>
+          <p:cNvPr id="9" name="Espaço Reservado para Número de Slide 5"/>
+          <p:cNvSpPr>
+            <a:spLocks noGrp="1"/>
+          </p:cNvSpPr>
+          <p:nvPr>
+            <p:ph type="sldNum" sz="quarter" idx="12"/>
+          </p:nvPr>
+        </p:nvSpPr>
+        <p:spPr>
+          <a:xfrm>
+            <a:off x="8610600" y="6472341"/>
+            <a:ext cx="2743200" cy="365125"/>
+          </a:xfrm>
+        </p:spPr>
+        <p:txBody>
+          <a:bodyPr/>
+          <a:lstStyle/>
+          <a:p>
+            <a:fld id="{FAACE0D2-E678-453C-8082-E08B461DE721}" type="slidenum">
+              <a:rPr lang="pt-BR" smtClean="0"/>
+              <a:t>‹nº›</a:t>
+            </a:fld>
+            <a:endParaRPr lang="pt-BR"/>
+          </a:p>
+        </p:txBody>
+      </p:sp>
+      <p:sp>
+        <p:nvSpPr>
+          <p:cNvPr id="10" name="Retângulo 9"/>
+          <p:cNvSpPr/>
+          <p:nvPr userDrawn="1"/>
+        </p:nvSpPr>
+        <p:spPr>
+          <a:xfrm>
+            <a:off x="0" y="0"/>
+            <a:ext cx="365202" cy="830996"/>
+          </a:xfrm>
+          <a:prstGeom prst="rect">
+            <a:avLst/>
+          </a:prstGeom>
+          <a:solidFill>
+            <a:srgbClr val="008666"/>
+          </a:solidFill>
+          <a:ln>
+            <a:noFill/>
+          </a:ln>
+        </p:spPr>
+        <p:style>
+          <a:lnRef idx="2">
+            <a:schemeClr val="accent1">
+              <a:shade val="50000"/>
+            </a:schemeClr>
+          </a:lnRef>
+          <a:fillRef idx="1">
+            <a:schemeClr val="accent1"/>
+          </a:fillRef>
+          <a:effectRef idx="0">
+            <a:schemeClr val="accent1"/>
+          </a:effectRef>
+          <a:fontRef idx="minor">
+            <a:schemeClr val="lt1"/>
+          </a:fontRef>
+        </p:style>
+        <p:txBody>
+          <a:bodyPr rtlCol="0" anchor="ctr"/>
+          <a:lstStyle/>
+          <a:p>
+            <a:pPr algn="ctr"/>
+            <a:endParaRPr lang="pt-BR" dirty="0">
+              <a:solidFill>
+                <a:srgbClr val="006E54"/>
+              </a:solidFill>
+            </a:endParaRPr>
+          </a:p>
+        </p:txBody>
+      </p:sp>
+      <p:pic>
+        <p:nvPicPr>
+          <p:cNvPr id="11" name="Google Shape;99;p1">
+            <a:extLst>
+              <a:ext uri="{FF2B5EF4-FFF2-40B4-BE49-F238E27FC236}">
+                <a16:creationId xmlns:a16="http://schemas.microsoft.com/office/drawing/2014/main" xmlns="" id="{C89C81E2-5AA1-4DC2-9862-37B2AA378531}"/>
+              </a:ext>
+            </a:extLst>
+          </p:cNvPr>
+          <p:cNvPicPr preferRelativeResize="0">
+            <a:picLocks noChangeAspect="1" noChangeArrowheads="1"/>
+          </p:cNvPicPr>
+          <p:nvPr userDrawn="1"/>
+        </p:nvPicPr>
+        <p:blipFill>
+          <a:blip r:embed="rId2" cstate="print">
+            <a:extLst>
+              <a:ext uri="{28A0092B-C50C-407E-A947-70E740481C1C}">
+                <a14:useLocalDpi xmlns:a14="http://schemas.microsoft.com/office/drawing/2010/main" val="0"/>
+              </a:ext>
+            </a:extLst>
+          </a:blip>
+          <a:srcRect/>
+          <a:stretch>
+            <a:fillRect/>
+          </a:stretch>
+        </p:blipFill>
+        <p:spPr bwMode="auto">
+          <a:xfrm>
+            <a:off x="9120037" y="141749"/>
+            <a:ext cx="2840166" cy="579800"/>
+          </a:xfrm>
+          <a:prstGeom prst="rect">
+            <a:avLst/>
+          </a:prstGeom>
+          <a:noFill/>
+          <a:ln>
+            <a:noFill/>
+          </a:ln>
+          <a:extLst>
+            <a:ext uri="{909E8E84-426E-40DD-AFC4-6F175D3DCCD1}">
+              <a14:hiddenFill xmlns:a14="http://schemas.microsoft.com/office/drawing/2010/main">
+                <a:solidFill>
+                  <a:srgbClr val="FFFFFF"/>
+                </a:solidFill>
+              </a14:hiddenFill>
+            </a:ext>
+            <a:ext uri="{91240B29-F687-4F45-9708-019B960494DF}">
+              <a14:hiddenLine xmlns:a14="http://schemas.microsoft.com/office/drawing/2010/main" w="9525">
+                <a:solidFill>
+                  <a:srgbClr val="000000"/>
+                </a:solidFill>
+                <a:miter lim="800000"/>
+                <a:headEnd/>
+                <a:tailEnd/>
+              </a14:hiddenLine>
+            </a:ext>
+          </a:extLst>
+        </p:spPr>
+      </p:pic>
+      <p:cxnSp>
+        <p:nvCxnSpPr>
+          <p:cNvPr id="12" name="Conector reto 11"/>
+          <p:cNvCxnSpPr/>
+          <p:nvPr userDrawn="1"/>
+        </p:nvCxnSpPr>
+        <p:spPr>
+          <a:xfrm>
+            <a:off x="3603121" y="6472341"/>
+            <a:ext cx="4985759" cy="0"/>
+          </a:xfrm>
+          <a:prstGeom prst="line">
+            <a:avLst/>
+          </a:prstGeom>
+          <a:ln w="12700" cap="rnd">
+            <a:solidFill>
+              <a:srgbClr val="008666">
+                <a:alpha val="50000"/>
+              </a:srgbClr>
+            </a:solidFill>
+            <a:miter lim="800000"/>
+          </a:ln>
+          <a:effectLst/>
+        </p:spPr>
+        <p:style>
+          <a:lnRef idx="1">
+            <a:schemeClr val="accent1"/>
+          </a:lnRef>
+          <a:fillRef idx="0">
+            <a:schemeClr val="accent1"/>
+          </a:fillRef>
+          <a:effectRef idx="0">
+            <a:schemeClr val="accent1"/>
+          </a:effectRef>
+          <a:fontRef idx="minor">
+            <a:schemeClr val="tx1"/>
+          </a:fontRef>
+        </p:style>
+      </p:cxnSp>
       <p:sp>
         <p:nvSpPr>
           <p:cNvPr id="13" name="Espaço Reservado para Título 1"/>
@@ -1341,18 +1760,24 @@
       </p:sp>
       <p:sp>
         <p:nvSpPr>
-          <p:cNvPr id="14" name="Espaço Reservado para Texto 13"/>
+          <p:cNvPr id="15" name="Subtítulo 2">
+            <a:extLst>
+              <a:ext uri="{FF2B5EF4-FFF2-40B4-BE49-F238E27FC236}">
+                <a16:creationId xmlns:a16="http://schemas.microsoft.com/office/drawing/2014/main" xmlns="" id="{A7872648-BA39-4DB2-AE89-6A10579AD6EF}"/>
+              </a:ext>
+            </a:extLst>
+          </p:cNvPr>
           <p:cNvSpPr>
             <a:spLocks noGrp="1"/>
           </p:cNvSpPr>
           <p:nvPr>
-            <p:ph type="body" sz="quarter" idx="13" hasCustomPrompt="1"/>
+            <p:ph type="subTitle" idx="13"/>
           </p:nvPr>
         </p:nvSpPr>
         <p:spPr>
           <a:xfrm>
-            <a:off x="365125" y="438150"/>
-            <a:ext cx="10515600" cy="392113"/>
+            <a:off x="365202" y="375247"/>
+            <a:ext cx="8528632" cy="392113"/>
           </a:xfrm>
         </p:spPr>
         <p:txBody>
@@ -1373,21 +1798,52 @@
               <a:buClr>
                 <a:srgbClr val="000000"/>
               </a:buClr>
-              <a:buFont typeface="Arial"/>
-              <a:buNone/>
-              <a:defRPr lang="pt-BR" sz="2000" b="0" i="0" u="none" strike="noStrike" cap="none" dirty="0">
-                <a:solidFill>
-                  <a:srgbClr val="006E54"/>
-                </a:solidFill>
-                <a:latin typeface="Arial"/>
-                <a:ea typeface="Arial"/>
-                <a:cs typeface="Arial"/>
-                <a:sym typeface="Arial"/>
+              <a:buFont typeface="Arial" panose="020B0604020202020204" pitchFamily="34" charset="0"/>
+              <a:buNone/>
+              <a:defRPr lang="pt-BR" sz="2200" b="0" i="0" u="none" strike="noStrike" cap="none" dirty="0">
+                <a:solidFill>
+                  <a:srgbClr val="008666"/>
+                </a:solidFill>
+                <a:latin typeface="Microsoft JhengHei" panose="020B0604030504040204" pitchFamily="34" charset="-120"/>
+                <a:ea typeface="Microsoft JhengHei" panose="020B0604030504040204" pitchFamily="34" charset="-120"/>
+                <a:cs typeface="Arial" panose="020B0604020202020204" pitchFamily="34" charset="0"/>
+                <a:sym typeface="Arial" panose="020B0604020202020204" pitchFamily="34" charset="0"/>
               </a:defRPr>
             </a:lvl1pPr>
+            <a:lvl2pPr marL="457200" indent="0" algn="ctr">
+              <a:buNone/>
+              <a:defRPr sz="2000"/>
+            </a:lvl2pPr>
+            <a:lvl3pPr marL="914400" indent="0" algn="ctr">
+              <a:buNone/>
+              <a:defRPr sz="1800"/>
+            </a:lvl3pPr>
+            <a:lvl4pPr marL="1371600" indent="0" algn="ctr">
+              <a:buNone/>
+              <a:defRPr sz="1600"/>
+            </a:lvl4pPr>
+            <a:lvl5pPr marL="1828800" indent="0" algn="ctr">
+              <a:buNone/>
+              <a:defRPr sz="1600"/>
+            </a:lvl5pPr>
+            <a:lvl6pPr marL="2286000" indent="0" algn="ctr">
+              <a:buNone/>
+              <a:defRPr sz="1600"/>
+            </a:lvl6pPr>
+            <a:lvl7pPr marL="2743200" indent="0" algn="ctr">
+              <a:buNone/>
+              <a:defRPr sz="1600"/>
+            </a:lvl7pPr>
+            <a:lvl8pPr marL="3200400" indent="0" algn="ctr">
+              <a:buNone/>
+              <a:defRPr sz="1600"/>
+            </a:lvl8pPr>
+            <a:lvl9pPr marL="3657600" indent="0" algn="ctr">
+              <a:buNone/>
+              <a:defRPr sz="1600"/>
+            </a:lvl9pPr>
           </a:lstStyle>
           <a:p>
-            <a:pPr lvl="0"/>
             <a:r>
               <a:rPr lang="pt-BR" dirty="0"/>
               <a:t>Clique para editar o estilo do subtítulo mestre</a:t>
@@ -1408,7 +1864,7 @@
 </p:sldLayout>
 </file>
 
-<file path=ppt/slideLayouts/slideLayout11.xml><?xml version="1.0" encoding="utf-8"?>
+<file path=ppt/slideLayouts/slideLayout12.xml><?xml version="1.0" encoding="utf-8"?>
 <p:sldLayout xmlns:a="http://schemas.openxmlformats.org/drawingml/2006/main" xmlns:r="http://schemas.openxmlformats.org/officeDocument/2006/relationships" xmlns:p="http://schemas.openxmlformats.org/presentationml/2006/main" type="vertTitleAndTx" preserve="1">
   <p:cSld name="Título e texto verticais">
     <p:spTree>
@@ -1530,7 +1986,7 @@
           <a:p>
             <a:fld id="{594ACB89-4662-4B0D-B4A6-6AB382733EB7}" type="datetimeFigureOut">
               <a:rPr lang="pt-BR" smtClean="0"/>
-              <a:t>28/06/2024</a:t>
+              <a:t>04/07/2024</a:t>
             </a:fld>
             <a:endParaRPr lang="pt-BR"/>
           </a:p>
@@ -1596,7 +2052,7 @@
           <p:cNvPr id="11" name="Google Shape;99;p1">
             <a:extLst>
               <a:ext uri="{FF2B5EF4-FFF2-40B4-BE49-F238E27FC236}">
-                <a16:creationId xmlns="" xmlns:a16="http://schemas.microsoft.com/office/drawing/2014/main" id="{C89C81E2-5AA1-4DC2-9862-37B2AA378531}"/>
+                <a16:creationId xmlns:a16="http://schemas.microsoft.com/office/drawing/2014/main" xmlns="" id="{C89C81E2-5AA1-4DC2-9862-37B2AA378531}"/>
               </a:ext>
             </a:extLst>
           </p:cNvPr>
@@ -1753,7 +2209,7 @@
 </p:sldLayout>
 </file>
 
-<file path=ppt/slideLayouts/slideLayout12.xml><?xml version="1.0" encoding="utf-8"?>
+<file path=ppt/slideLayouts/slideLayout13.xml><?xml version="1.0" encoding="utf-8"?>
 <p:sldLayout xmlns:a="http://schemas.openxmlformats.org/drawingml/2006/main" xmlns:r="http://schemas.openxmlformats.org/officeDocument/2006/relationships" xmlns:p="http://schemas.openxmlformats.org/presentationml/2006/main" preserve="1" userDrawn="1">
   <p:cSld name="equipe">
     <p:spTree>
@@ -1775,7 +2231,7 @@
           <p:cNvPr id="6" name="Imagem 5">
             <a:extLst>
               <a:ext uri="{FF2B5EF4-FFF2-40B4-BE49-F238E27FC236}">
-                <a16:creationId xmlns="" xmlns:a16="http://schemas.microsoft.com/office/drawing/2014/main" id="{F864F5F6-004E-448D-9B6C-49EAD3145F89}"/>
+                <a16:creationId xmlns:a16="http://schemas.microsoft.com/office/drawing/2014/main" xmlns="" id="{F864F5F6-004E-448D-9B6C-49EAD3145F89}"/>
               </a:ext>
             </a:extLst>
           </p:cNvPr>
@@ -1805,7 +2261,7 @@
           <p:cNvPr id="10" name="Espaço Reservado para Texto 2">
             <a:extLst>
               <a:ext uri="{FF2B5EF4-FFF2-40B4-BE49-F238E27FC236}">
-                <a16:creationId xmlns="" xmlns:a16="http://schemas.microsoft.com/office/drawing/2014/main" id="{3A037A5E-9D08-4C2F-B552-931AD93909DE}"/>
+                <a16:creationId xmlns:a16="http://schemas.microsoft.com/office/drawing/2014/main" xmlns="" id="{3A037A5E-9D08-4C2F-B552-931AD93909DE}"/>
               </a:ext>
             </a:extLst>
           </p:cNvPr>
@@ -3185,7 +3641,7 @@
           <a:p>
             <a:fld id="{594ACB89-4662-4B0D-B4A6-6AB382733EB7}" type="datetimeFigureOut">
               <a:rPr lang="pt-BR" smtClean="0"/>
-              <a:t>28/06/2024</a:t>
+              <a:t>04/07/2024</a:t>
             </a:fld>
             <a:endParaRPr lang="pt-BR"/>
           </a:p>
@@ -3251,7 +3707,7 @@
           <p:cNvPr id="8" name="Google Shape;99;p1">
             <a:extLst>
               <a:ext uri="{FF2B5EF4-FFF2-40B4-BE49-F238E27FC236}">
-                <a16:creationId xmlns="" xmlns:a16="http://schemas.microsoft.com/office/drawing/2014/main" id="{C89C81E2-5AA1-4DC2-9862-37B2AA378531}"/>
+                <a16:creationId xmlns:a16="http://schemas.microsoft.com/office/drawing/2014/main" xmlns="" id="{C89C81E2-5AA1-4DC2-9862-37B2AA378531}"/>
               </a:ext>
             </a:extLst>
           </p:cNvPr>
@@ -3432,7 +3888,7 @@
           <p:cNvPr id="12" name="Subtítulo 2">
             <a:extLst>
               <a:ext uri="{FF2B5EF4-FFF2-40B4-BE49-F238E27FC236}">
-                <a16:creationId xmlns="" xmlns:a16="http://schemas.microsoft.com/office/drawing/2014/main" id="{A7872648-BA39-4DB2-AE89-6A10579AD6EF}"/>
+                <a16:creationId xmlns:a16="http://schemas.microsoft.com/office/drawing/2014/main" xmlns="" id="{A7872648-BA39-4DB2-AE89-6A10579AD6EF}"/>
               </a:ext>
             </a:extLst>
           </p:cNvPr>
@@ -3445,13 +3901,13 @@
         </p:nvSpPr>
         <p:spPr>
           <a:xfrm>
-            <a:off x="365202" y="438150"/>
+            <a:off x="365202" y="375247"/>
             <a:ext cx="8528632" cy="392113"/>
           </a:xfrm>
         </p:spPr>
         <p:txBody>
           <a:bodyPr>
-            <a:normAutofit/>
+            <a:noAutofit/>
           </a:bodyPr>
           <a:lstStyle>
             <a:lvl1pPr marL="0" marR="0" indent="0" algn="l" rtl="0">
@@ -3469,7 +3925,7 @@
               </a:buClr>
               <a:buFont typeface="Arial" panose="020B0604020202020204" pitchFamily="34" charset="0"/>
               <a:buNone/>
-              <a:defRPr lang="pt-BR" sz="2400" b="0" i="0" u="none" strike="noStrike" cap="none" dirty="0">
+              <a:defRPr lang="pt-BR" sz="2200" b="0" i="0" u="none" strike="noStrike" cap="none" dirty="0">
                 <a:solidFill>
                   <a:srgbClr val="008666"/>
                 </a:solidFill>
@@ -3534,6 +3990,496 @@
 </file>
 
 <file path=ppt/slideLayouts/slideLayout3.xml><?xml version="1.0" encoding="utf-8"?>
+<p:sldLayout xmlns:a="http://schemas.openxmlformats.org/drawingml/2006/main" xmlns:r="http://schemas.openxmlformats.org/officeDocument/2006/relationships" xmlns:p="http://schemas.openxmlformats.org/presentationml/2006/main" preserve="1" userDrawn="1">
+  <p:cSld name="título_conteúdo_nota">
+    <p:spTree>
+      <p:nvGrpSpPr>
+        <p:cNvPr id="1" name=""/>
+        <p:cNvGrpSpPr/>
+        <p:nvPr/>
+      </p:nvGrpSpPr>
+      <p:grpSpPr>
+        <a:xfrm>
+          <a:off x="0" y="0"/>
+          <a:ext cx="0" cy="0"/>
+          <a:chOff x="0" y="0"/>
+          <a:chExt cx="0" cy="0"/>
+        </a:xfrm>
+      </p:grpSpPr>
+      <p:sp>
+        <p:nvSpPr>
+          <p:cNvPr id="3" name="Espaço Reservado para Conteúdo 2"/>
+          <p:cNvSpPr>
+            <a:spLocks noGrp="1"/>
+          </p:cNvSpPr>
+          <p:nvPr>
+            <p:ph idx="1"/>
+          </p:nvPr>
+        </p:nvSpPr>
+        <p:spPr>
+          <a:xfrm>
+            <a:off x="838200" y="1253331"/>
+            <a:ext cx="10515600" cy="4351338"/>
+          </a:xfrm>
+        </p:spPr>
+        <p:txBody>
+          <a:bodyPr>
+            <a:normAutofit/>
+          </a:bodyPr>
+          <a:lstStyle>
+            <a:lvl1pPr>
+              <a:defRPr lang="pt-BR" sz="2000" b="0" i="0" u="none" strike="noStrike" cap="none" dirty="0" smtClean="0">
+                <a:solidFill>
+                  <a:srgbClr val="000000"/>
+                </a:solidFill>
+                <a:latin typeface="Arial"/>
+                <a:ea typeface="Arial"/>
+                <a:cs typeface="Arial"/>
+                <a:sym typeface="Arial"/>
+              </a:defRPr>
+            </a:lvl1pPr>
+            <a:lvl2pPr>
+              <a:defRPr lang="pt-BR" sz="2000" b="0" i="0" u="none" strike="noStrike" cap="none" dirty="0" smtClean="0">
+                <a:solidFill>
+                  <a:srgbClr val="000000"/>
+                </a:solidFill>
+                <a:latin typeface="Arial"/>
+                <a:ea typeface="Arial"/>
+                <a:cs typeface="Arial"/>
+                <a:sym typeface="Arial"/>
+              </a:defRPr>
+            </a:lvl2pPr>
+            <a:lvl3pPr>
+              <a:defRPr lang="pt-BR" sz="2000" b="0" i="0" u="none" strike="noStrike" cap="none" dirty="0" smtClean="0">
+                <a:solidFill>
+                  <a:srgbClr val="000000"/>
+                </a:solidFill>
+                <a:latin typeface="Arial"/>
+                <a:ea typeface="Arial"/>
+                <a:cs typeface="Arial"/>
+                <a:sym typeface="Arial"/>
+              </a:defRPr>
+            </a:lvl3pPr>
+            <a:lvl4pPr>
+              <a:defRPr lang="pt-BR" sz="2000" b="0" i="0" u="none" strike="noStrike" cap="none" dirty="0" smtClean="0">
+                <a:solidFill>
+                  <a:srgbClr val="000000"/>
+                </a:solidFill>
+                <a:latin typeface="Arial"/>
+                <a:ea typeface="Arial"/>
+                <a:cs typeface="Arial"/>
+                <a:sym typeface="Arial"/>
+              </a:defRPr>
+            </a:lvl4pPr>
+            <a:lvl5pPr>
+              <a:defRPr lang="pt-BR" sz="2000" b="0" i="0" u="none" strike="noStrike" cap="none" dirty="0">
+                <a:solidFill>
+                  <a:srgbClr val="000000"/>
+                </a:solidFill>
+                <a:latin typeface="Arial"/>
+                <a:ea typeface="Arial"/>
+                <a:cs typeface="Arial"/>
+                <a:sym typeface="Arial"/>
+              </a:defRPr>
+            </a:lvl5pPr>
+          </a:lstStyle>
+          <a:p>
+            <a:pPr lvl="0"/>
+            <a:r>
+              <a:rPr lang="pt-BR" dirty="0"/>
+              <a:t>Clique para editar o texto mestre</a:t>
+            </a:r>
+          </a:p>
+          <a:p>
+            <a:pPr lvl="1"/>
+            <a:r>
+              <a:rPr lang="pt-BR" dirty="0"/>
+              <a:t>Segundo nível</a:t>
+            </a:r>
+          </a:p>
+          <a:p>
+            <a:pPr lvl="2"/>
+            <a:r>
+              <a:rPr lang="pt-BR" dirty="0"/>
+              <a:t>Terceiro nível</a:t>
+            </a:r>
+          </a:p>
+          <a:p>
+            <a:pPr lvl="3"/>
+            <a:r>
+              <a:rPr lang="pt-BR" dirty="0"/>
+              <a:t>Quarto nível</a:t>
+            </a:r>
+          </a:p>
+          <a:p>
+            <a:pPr lvl="4"/>
+            <a:r>
+              <a:rPr lang="pt-BR" dirty="0"/>
+              <a:t>Quinto nível</a:t>
+            </a:r>
+          </a:p>
+        </p:txBody>
+      </p:sp>
+      <p:sp>
+        <p:nvSpPr>
+          <p:cNvPr id="4" name="Espaço Reservado para Data 3"/>
+          <p:cNvSpPr>
+            <a:spLocks noGrp="1"/>
+          </p:cNvSpPr>
+          <p:nvPr>
+            <p:ph type="dt" sz="half" idx="10"/>
+          </p:nvPr>
+        </p:nvSpPr>
+        <p:spPr>
+          <a:xfrm>
+            <a:off x="838200" y="6472341"/>
+            <a:ext cx="2743200" cy="365125"/>
+          </a:xfrm>
+        </p:spPr>
+        <p:txBody>
+          <a:bodyPr/>
+          <a:lstStyle/>
+          <a:p>
+            <a:fld id="{594ACB89-4662-4B0D-B4A6-6AB382733EB7}" type="datetimeFigureOut">
+              <a:rPr lang="pt-BR" smtClean="0"/>
+              <a:t>04/07/2024</a:t>
+            </a:fld>
+            <a:endParaRPr lang="pt-BR"/>
+          </a:p>
+        </p:txBody>
+      </p:sp>
+      <p:sp>
+        <p:nvSpPr>
+          <p:cNvPr id="5" name="Espaço Reservado para Rodapé 4"/>
+          <p:cNvSpPr>
+            <a:spLocks noGrp="1"/>
+          </p:cNvSpPr>
+          <p:nvPr>
+            <p:ph type="ftr" sz="quarter" idx="11"/>
+          </p:nvPr>
+        </p:nvSpPr>
+        <p:spPr>
+          <a:xfrm>
+            <a:off x="4038600" y="6472341"/>
+            <a:ext cx="4114800" cy="365125"/>
+          </a:xfrm>
+        </p:spPr>
+        <p:txBody>
+          <a:bodyPr/>
+          <a:lstStyle/>
+          <a:p>
+            <a:r>
+              <a:rPr lang="pt-BR" dirty="0"/>
+              <a:t>Secretaria de Estado da Economia</a:t>
+            </a:r>
+          </a:p>
+        </p:txBody>
+      </p:sp>
+      <p:sp>
+        <p:nvSpPr>
+          <p:cNvPr id="6" name="Espaço Reservado para Número de Slide 5"/>
+          <p:cNvSpPr>
+            <a:spLocks noGrp="1"/>
+          </p:cNvSpPr>
+          <p:nvPr>
+            <p:ph type="sldNum" sz="quarter" idx="12"/>
+          </p:nvPr>
+        </p:nvSpPr>
+        <p:spPr>
+          <a:xfrm>
+            <a:off x="8610600" y="6472341"/>
+            <a:ext cx="2743200" cy="365125"/>
+          </a:xfrm>
+        </p:spPr>
+        <p:txBody>
+          <a:bodyPr/>
+          <a:lstStyle/>
+          <a:p>
+            <a:fld id="{FAACE0D2-E678-453C-8082-E08B461DE721}" type="slidenum">
+              <a:rPr lang="pt-BR" smtClean="0"/>
+              <a:t>‹nº›</a:t>
+            </a:fld>
+            <a:endParaRPr lang="pt-BR"/>
+          </a:p>
+        </p:txBody>
+      </p:sp>
+      <p:cxnSp>
+        <p:nvCxnSpPr>
+          <p:cNvPr id="10" name="Conector reto 9"/>
+          <p:cNvCxnSpPr/>
+          <p:nvPr userDrawn="1"/>
+        </p:nvCxnSpPr>
+        <p:spPr>
+          <a:xfrm>
+            <a:off x="3603121" y="6472341"/>
+            <a:ext cx="4985759" cy="0"/>
+          </a:xfrm>
+          <a:prstGeom prst="line">
+            <a:avLst/>
+          </a:prstGeom>
+          <a:ln w="12700" cap="rnd">
+            <a:solidFill>
+              <a:srgbClr val="008666">
+                <a:alpha val="70000"/>
+              </a:srgbClr>
+            </a:solidFill>
+            <a:miter lim="800000"/>
+          </a:ln>
+          <a:effectLst/>
+        </p:spPr>
+        <p:style>
+          <a:lnRef idx="1">
+            <a:schemeClr val="accent1"/>
+          </a:lnRef>
+          <a:fillRef idx="0">
+            <a:schemeClr val="accent1"/>
+          </a:fillRef>
+          <a:effectRef idx="0">
+            <a:schemeClr val="accent1"/>
+          </a:effectRef>
+          <a:fontRef idx="minor">
+            <a:schemeClr val="tx1"/>
+          </a:fontRef>
+        </p:style>
+      </p:cxnSp>
+      <p:sp>
+        <p:nvSpPr>
+          <p:cNvPr id="11" name="Espaço Reservado para Título 1"/>
+          <p:cNvSpPr>
+            <a:spLocks noGrp="1"/>
+          </p:cNvSpPr>
+          <p:nvPr>
+            <p:ph type="title"/>
+          </p:nvPr>
+        </p:nvSpPr>
+        <p:spPr>
+          <a:xfrm>
+            <a:off x="365202" y="1"/>
+            <a:ext cx="10515600" cy="438149"/>
+          </a:xfrm>
+          <a:prstGeom prst="rect">
+            <a:avLst/>
+          </a:prstGeom>
+        </p:spPr>
+        <p:txBody>
+          <a:bodyPr vert="horz" lIns="91440" tIns="45720" rIns="91440" bIns="45720" rtlCol="0" anchor="ctr">
+            <a:noAutofit/>
+          </a:bodyPr>
+          <a:lstStyle/>
+          <a:p>
+            <a:r>
+              <a:rPr lang="pt-BR" dirty="0"/>
+              <a:t>Clique para editar o título mestre</a:t>
+            </a:r>
+          </a:p>
+        </p:txBody>
+      </p:sp>
+      <p:sp>
+        <p:nvSpPr>
+          <p:cNvPr id="17" name="Retângulo 16"/>
+          <p:cNvSpPr/>
+          <p:nvPr userDrawn="1"/>
+        </p:nvSpPr>
+        <p:spPr>
+          <a:xfrm>
+            <a:off x="0" y="0"/>
+            <a:ext cx="365202" cy="830263"/>
+          </a:xfrm>
+          <a:prstGeom prst="rect">
+            <a:avLst/>
+          </a:prstGeom>
+          <a:solidFill>
+            <a:srgbClr val="008666"/>
+          </a:solidFill>
+          <a:ln>
+            <a:noFill/>
+          </a:ln>
+        </p:spPr>
+        <p:style>
+          <a:lnRef idx="2">
+            <a:schemeClr val="accent1">
+              <a:shade val="50000"/>
+            </a:schemeClr>
+          </a:lnRef>
+          <a:fillRef idx="1">
+            <a:schemeClr val="accent1"/>
+          </a:fillRef>
+          <a:effectRef idx="0">
+            <a:schemeClr val="accent1"/>
+          </a:effectRef>
+          <a:fontRef idx="minor">
+            <a:schemeClr val="lt1"/>
+          </a:fontRef>
+        </p:style>
+        <p:txBody>
+          <a:bodyPr rtlCol="0" anchor="ctr"/>
+          <a:lstStyle/>
+          <a:p>
+            <a:pPr algn="ctr"/>
+            <a:endParaRPr lang="pt-BR" dirty="0">
+              <a:solidFill>
+                <a:srgbClr val="006E54"/>
+              </a:solidFill>
+            </a:endParaRPr>
+          </a:p>
+        </p:txBody>
+      </p:sp>
+      <p:sp>
+        <p:nvSpPr>
+          <p:cNvPr id="12" name="Retângulo 11"/>
+          <p:cNvSpPr/>
+          <p:nvPr userDrawn="1"/>
+        </p:nvSpPr>
+        <p:spPr>
+          <a:xfrm>
+            <a:off x="0" y="798870"/>
+            <a:ext cx="3512322" cy="183794"/>
+          </a:xfrm>
+          <a:prstGeom prst="rect">
+            <a:avLst/>
+          </a:prstGeom>
+          <a:solidFill>
+            <a:schemeClr val="accent4">
+              <a:lumMod val="40000"/>
+              <a:lumOff val="60000"/>
+            </a:schemeClr>
+          </a:solidFill>
+          <a:ln>
+            <a:noFill/>
+          </a:ln>
+        </p:spPr>
+        <p:style>
+          <a:lnRef idx="2">
+            <a:schemeClr val="accent1">
+              <a:shade val="50000"/>
+            </a:schemeClr>
+          </a:lnRef>
+          <a:fillRef idx="1">
+            <a:schemeClr val="accent1"/>
+          </a:fillRef>
+          <a:effectRef idx="0">
+            <a:schemeClr val="accent1"/>
+          </a:effectRef>
+          <a:fontRef idx="minor">
+            <a:schemeClr val="lt1"/>
+          </a:fontRef>
+        </p:style>
+        <p:txBody>
+          <a:bodyPr rtlCol="0" anchor="ctr"/>
+          <a:lstStyle/>
+          <a:p>
+            <a:pPr algn="ctr"/>
+            <a:endParaRPr lang="pt-BR"/>
+          </a:p>
+        </p:txBody>
+      </p:sp>
+      <p:sp>
+        <p:nvSpPr>
+          <p:cNvPr id="13" name="Subtítulo 2">
+            <a:extLst>
+              <a:ext uri="{FF2B5EF4-FFF2-40B4-BE49-F238E27FC236}">
+                <a16:creationId xmlns:a16="http://schemas.microsoft.com/office/drawing/2014/main" xmlns="" id="{A7872648-BA39-4DB2-AE89-6A10579AD6EF}"/>
+              </a:ext>
+            </a:extLst>
+          </p:cNvPr>
+          <p:cNvSpPr>
+            <a:spLocks noGrp="1"/>
+          </p:cNvSpPr>
+          <p:nvPr>
+            <p:ph type="subTitle" idx="13"/>
+          </p:nvPr>
+        </p:nvSpPr>
+        <p:spPr>
+          <a:xfrm>
+            <a:off x="365202" y="375247"/>
+            <a:ext cx="8528632" cy="392113"/>
+          </a:xfrm>
+        </p:spPr>
+        <p:txBody>
+          <a:bodyPr>
+            <a:noAutofit/>
+          </a:bodyPr>
+          <a:lstStyle>
+            <a:lvl1pPr marL="0" marR="0" indent="0" algn="l" rtl="0">
+              <a:lnSpc>
+                <a:spcPct val="100000"/>
+              </a:lnSpc>
+              <a:spcBef>
+                <a:spcPts val="0"/>
+              </a:spcBef>
+              <a:spcAft>
+                <a:spcPts val="0"/>
+              </a:spcAft>
+              <a:buClr>
+                <a:srgbClr val="000000"/>
+              </a:buClr>
+              <a:buFont typeface="Arial" panose="020B0604020202020204" pitchFamily="34" charset="0"/>
+              <a:buNone/>
+              <a:defRPr lang="pt-BR" sz="2200" b="0" i="0" u="none" strike="noStrike" cap="none" dirty="0">
+                <a:solidFill>
+                  <a:srgbClr val="008666"/>
+                </a:solidFill>
+                <a:latin typeface="Microsoft JhengHei" panose="020B0604030504040204" pitchFamily="34" charset="-120"/>
+                <a:ea typeface="Microsoft JhengHei" panose="020B0604030504040204" pitchFamily="34" charset="-120"/>
+                <a:cs typeface="Arial" panose="020B0604020202020204" pitchFamily="34" charset="0"/>
+                <a:sym typeface="Arial" panose="020B0604020202020204" pitchFamily="34" charset="0"/>
+              </a:defRPr>
+            </a:lvl1pPr>
+            <a:lvl2pPr marL="457200" indent="0" algn="ctr">
+              <a:buNone/>
+              <a:defRPr sz="2000"/>
+            </a:lvl2pPr>
+            <a:lvl3pPr marL="914400" indent="0" algn="ctr">
+              <a:buNone/>
+              <a:defRPr sz="1800"/>
+            </a:lvl3pPr>
+            <a:lvl4pPr marL="1371600" indent="0" algn="ctr">
+              <a:buNone/>
+              <a:defRPr sz="1600"/>
+            </a:lvl4pPr>
+            <a:lvl5pPr marL="1828800" indent="0" algn="ctr">
+              <a:buNone/>
+              <a:defRPr sz="1600"/>
+            </a:lvl5pPr>
+            <a:lvl6pPr marL="2286000" indent="0" algn="ctr">
+              <a:buNone/>
+              <a:defRPr sz="1600"/>
+            </a:lvl6pPr>
+            <a:lvl7pPr marL="2743200" indent="0" algn="ctr">
+              <a:buNone/>
+              <a:defRPr sz="1600"/>
+            </a:lvl7pPr>
+            <a:lvl8pPr marL="3200400" indent="0" algn="ctr">
+              <a:buNone/>
+              <a:defRPr sz="1600"/>
+            </a:lvl8pPr>
+            <a:lvl9pPr marL="3657600" indent="0" algn="ctr">
+              <a:buNone/>
+              <a:defRPr sz="1600"/>
+            </a:lvl9pPr>
+          </a:lstStyle>
+          <a:p>
+            <a:r>
+              <a:rPr lang="pt-BR" dirty="0"/>
+              <a:t>Clique para editar o estilo do subtítulo mestre</a:t>
+            </a:r>
+          </a:p>
+        </p:txBody>
+      </p:sp>
+    </p:spTree>
+    <p:extLst>
+      <p:ext uri="{BB962C8B-B14F-4D97-AF65-F5344CB8AC3E}">
+        <p14:creationId xmlns:p14="http://schemas.microsoft.com/office/powerpoint/2010/main" val="1141826225"/>
+      </p:ext>
+    </p:extLst>
+  </p:cSld>
+  <p:clrMapOvr>
+    <a:masterClrMapping/>
+  </p:clrMapOvr>
+</p:sldLayout>
+</file>
+
+<file path=ppt/slideLayouts/slideLayout4.xml><?xml version="1.0" encoding="utf-8"?>
 <p:sldLayout xmlns:a="http://schemas.openxmlformats.org/drawingml/2006/main" xmlns:r="http://schemas.openxmlformats.org/officeDocument/2006/relationships" xmlns:p="http://schemas.openxmlformats.org/presentationml/2006/main" type="secHead" preserve="1">
   <p:cSld name="capa_seção">
     <p:spTree>
@@ -3555,7 +4501,7 @@
           <p:cNvPr id="10" name="Imagem 9">
             <a:extLst>
               <a:ext uri="{FF2B5EF4-FFF2-40B4-BE49-F238E27FC236}">
-                <a16:creationId xmlns="" xmlns:a16="http://schemas.microsoft.com/office/drawing/2014/main" id="{71A80B54-C860-4BA2-B87D-C4589EA9BA7E}"/>
+                <a16:creationId xmlns:a16="http://schemas.microsoft.com/office/drawing/2014/main" xmlns="" id="{71A80B54-C860-4BA2-B87D-C4589EA9BA7E}"/>
               </a:ext>
             </a:extLst>
           </p:cNvPr>
@@ -3790,7 +4736,7 @@
           <p:cNvPr id="11" name="Google Shape;192;p9">
             <a:extLst>
               <a:ext uri="{FF2B5EF4-FFF2-40B4-BE49-F238E27FC236}">
-                <a16:creationId xmlns="" xmlns:a16="http://schemas.microsoft.com/office/drawing/2014/main" id="{9FF45E9E-E00B-4624-83A3-89B863583FD8}"/>
+                <a16:creationId xmlns:a16="http://schemas.microsoft.com/office/drawing/2014/main" xmlns="" id="{9FF45E9E-E00B-4624-83A3-89B863583FD8}"/>
               </a:ext>
             </a:extLst>
           </p:cNvPr>
@@ -3858,7 +4804,7 @@
 </p:sldLayout>
 </file>
 
-<file path=ppt/slideLayouts/slideLayout4.xml><?xml version="1.0" encoding="utf-8"?>
+<file path=ppt/slideLayouts/slideLayout5.xml><?xml version="1.0" encoding="utf-8"?>
 <p:sldLayout xmlns:a="http://schemas.openxmlformats.org/drawingml/2006/main" xmlns:r="http://schemas.openxmlformats.org/officeDocument/2006/relationships" xmlns:p="http://schemas.openxmlformats.org/presentationml/2006/main" preserve="1" userDrawn="1">
   <p:cSld name="Duas_partes_conteúdo">
     <p:spTree>
@@ -4009,7 +4955,7 @@
           <a:p>
             <a:fld id="{594ACB89-4662-4B0D-B4A6-6AB382733EB7}" type="datetimeFigureOut">
               <a:rPr lang="pt-BR" smtClean="0"/>
-              <a:t>28/06/2024</a:t>
+              <a:t>04/07/2024</a:t>
             </a:fld>
             <a:endParaRPr lang="pt-BR"/>
           </a:p>
@@ -4125,7 +5071,7 @@
           <p:cNvPr id="12" name="Google Shape;99;p1">
             <a:extLst>
               <a:ext uri="{FF2B5EF4-FFF2-40B4-BE49-F238E27FC236}">
-                <a16:creationId xmlns="" xmlns:a16="http://schemas.microsoft.com/office/drawing/2014/main" id="{C89C81E2-5AA1-4DC2-9862-37B2AA378531}"/>
+                <a16:creationId xmlns:a16="http://schemas.microsoft.com/office/drawing/2014/main" xmlns="" id="{C89C81E2-5AA1-4DC2-9862-37B2AA378531}"/>
               </a:ext>
             </a:extLst>
           </p:cNvPr>
@@ -4253,18 +5199,24 @@
       </p:sp>
       <p:sp>
         <p:nvSpPr>
-          <p:cNvPr id="15" name="Espaço Reservado para Texto 13"/>
+          <p:cNvPr id="16" name="Subtítulo 2">
+            <a:extLst>
+              <a:ext uri="{FF2B5EF4-FFF2-40B4-BE49-F238E27FC236}">
+                <a16:creationId xmlns:a16="http://schemas.microsoft.com/office/drawing/2014/main" xmlns="" id="{A7872648-BA39-4DB2-AE89-6A10579AD6EF}"/>
+              </a:ext>
+            </a:extLst>
+          </p:cNvPr>
           <p:cNvSpPr>
             <a:spLocks noGrp="1"/>
           </p:cNvSpPr>
           <p:nvPr>
-            <p:ph type="body" sz="quarter" idx="13" hasCustomPrompt="1"/>
+            <p:ph type="subTitle" idx="13"/>
           </p:nvPr>
         </p:nvSpPr>
         <p:spPr>
           <a:xfrm>
-            <a:off x="365125" y="438150"/>
-            <a:ext cx="10515600" cy="392113"/>
+            <a:off x="365202" y="375247"/>
+            <a:ext cx="8528632" cy="392113"/>
           </a:xfrm>
         </p:spPr>
         <p:txBody>
@@ -4285,21 +5237,52 @@
               <a:buClr>
                 <a:srgbClr val="000000"/>
               </a:buClr>
-              <a:buFont typeface="Arial"/>
-              <a:buNone/>
-              <a:defRPr lang="pt-BR" sz="2000" b="0" i="0" u="none" strike="noStrike" cap="none" dirty="0">
-                <a:solidFill>
-                  <a:srgbClr val="006E54"/>
-                </a:solidFill>
-                <a:latin typeface="Arial"/>
-                <a:ea typeface="Arial"/>
-                <a:cs typeface="Arial"/>
-                <a:sym typeface="Arial"/>
+              <a:buFont typeface="Arial" panose="020B0604020202020204" pitchFamily="34" charset="0"/>
+              <a:buNone/>
+              <a:defRPr lang="pt-BR" sz="2200" b="0" i="0" u="none" strike="noStrike" cap="none" dirty="0">
+                <a:solidFill>
+                  <a:srgbClr val="008666"/>
+                </a:solidFill>
+                <a:latin typeface="Microsoft JhengHei" panose="020B0604030504040204" pitchFamily="34" charset="-120"/>
+                <a:ea typeface="Microsoft JhengHei" panose="020B0604030504040204" pitchFamily="34" charset="-120"/>
+                <a:cs typeface="Arial" panose="020B0604020202020204" pitchFamily="34" charset="0"/>
+                <a:sym typeface="Arial" panose="020B0604020202020204" pitchFamily="34" charset="0"/>
               </a:defRPr>
             </a:lvl1pPr>
+            <a:lvl2pPr marL="457200" indent="0" algn="ctr">
+              <a:buNone/>
+              <a:defRPr sz="2000"/>
+            </a:lvl2pPr>
+            <a:lvl3pPr marL="914400" indent="0" algn="ctr">
+              <a:buNone/>
+              <a:defRPr sz="1800"/>
+            </a:lvl3pPr>
+            <a:lvl4pPr marL="1371600" indent="0" algn="ctr">
+              <a:buNone/>
+              <a:defRPr sz="1600"/>
+            </a:lvl4pPr>
+            <a:lvl5pPr marL="1828800" indent="0" algn="ctr">
+              <a:buNone/>
+              <a:defRPr sz="1600"/>
+            </a:lvl5pPr>
+            <a:lvl6pPr marL="2286000" indent="0" algn="ctr">
+              <a:buNone/>
+              <a:defRPr sz="1600"/>
+            </a:lvl6pPr>
+            <a:lvl7pPr marL="2743200" indent="0" algn="ctr">
+              <a:buNone/>
+              <a:defRPr sz="1600"/>
+            </a:lvl7pPr>
+            <a:lvl8pPr marL="3200400" indent="0" algn="ctr">
+              <a:buNone/>
+              <a:defRPr sz="1600"/>
+            </a:lvl8pPr>
+            <a:lvl9pPr marL="3657600" indent="0" algn="ctr">
+              <a:buNone/>
+              <a:defRPr sz="1600"/>
+            </a:lvl9pPr>
           </a:lstStyle>
           <a:p>
-            <a:pPr lvl="0"/>
             <a:r>
               <a:rPr lang="pt-BR" dirty="0"/>
               <a:t>Clique para editar o estilo do subtítulo mestre</a:t>
@@ -4320,7 +5303,7 @@
 </p:sldLayout>
 </file>
 
-<file path=ppt/slideLayouts/slideLayout5.xml><?xml version="1.0" encoding="utf-8"?>
+<file path=ppt/slideLayouts/slideLayout6.xml><?xml version="1.0" encoding="utf-8"?>
 <p:sldLayout xmlns:a="http://schemas.openxmlformats.org/drawingml/2006/main" xmlns:r="http://schemas.openxmlformats.org/officeDocument/2006/relationships" xmlns:p="http://schemas.openxmlformats.org/presentationml/2006/main" preserve="1" userDrawn="1">
   <p:cSld name="comparação">
     <p:spTree>
@@ -4601,7 +5584,7 @@
           <a:p>
             <a:fld id="{594ACB89-4662-4B0D-B4A6-6AB382733EB7}" type="datetimeFigureOut">
               <a:rPr lang="pt-BR" smtClean="0"/>
-              <a:t>28/06/2024</a:t>
+              <a:t>04/07/2024</a:t>
             </a:fld>
             <a:endParaRPr lang="pt-BR"/>
           </a:p>
@@ -4717,7 +5700,7 @@
           <p:cNvPr id="14" name="Google Shape;99;p1">
             <a:extLst>
               <a:ext uri="{FF2B5EF4-FFF2-40B4-BE49-F238E27FC236}">
-                <a16:creationId xmlns="" xmlns:a16="http://schemas.microsoft.com/office/drawing/2014/main" id="{C89C81E2-5AA1-4DC2-9862-37B2AA378531}"/>
+                <a16:creationId xmlns:a16="http://schemas.microsoft.com/office/drawing/2014/main" xmlns="" id="{C89C81E2-5AA1-4DC2-9862-37B2AA378531}"/>
               </a:ext>
             </a:extLst>
           </p:cNvPr>
@@ -4845,18 +5828,24 @@
       </p:sp>
       <p:sp>
         <p:nvSpPr>
-          <p:cNvPr id="17" name="Espaço Reservado para Texto 13"/>
+          <p:cNvPr id="18" name="Subtítulo 2">
+            <a:extLst>
+              <a:ext uri="{FF2B5EF4-FFF2-40B4-BE49-F238E27FC236}">
+                <a16:creationId xmlns:a16="http://schemas.microsoft.com/office/drawing/2014/main" xmlns="" id="{A7872648-BA39-4DB2-AE89-6A10579AD6EF}"/>
+              </a:ext>
+            </a:extLst>
+          </p:cNvPr>
           <p:cNvSpPr>
             <a:spLocks noGrp="1"/>
           </p:cNvSpPr>
           <p:nvPr>
-            <p:ph type="body" sz="quarter" idx="13" hasCustomPrompt="1"/>
+            <p:ph type="subTitle" idx="13"/>
           </p:nvPr>
         </p:nvSpPr>
         <p:spPr>
           <a:xfrm>
-            <a:off x="365125" y="438150"/>
-            <a:ext cx="10515600" cy="392113"/>
+            <a:off x="365202" y="375247"/>
+            <a:ext cx="8528632" cy="392113"/>
           </a:xfrm>
         </p:spPr>
         <p:txBody>
@@ -4877,21 +5866,52 @@
               <a:buClr>
                 <a:srgbClr val="000000"/>
               </a:buClr>
-              <a:buFont typeface="Arial"/>
-              <a:buNone/>
-              <a:defRPr lang="pt-BR" sz="2000" b="0" i="0" u="none" strike="noStrike" cap="none" dirty="0">
-                <a:solidFill>
-                  <a:srgbClr val="006E54"/>
-                </a:solidFill>
-                <a:latin typeface="Arial"/>
-                <a:ea typeface="Arial"/>
-                <a:cs typeface="Arial"/>
-                <a:sym typeface="Arial"/>
+              <a:buFont typeface="Arial" panose="020B0604020202020204" pitchFamily="34" charset="0"/>
+              <a:buNone/>
+              <a:defRPr lang="pt-BR" sz="2200" b="0" i="0" u="none" strike="noStrike" cap="none" dirty="0">
+                <a:solidFill>
+                  <a:srgbClr val="008666"/>
+                </a:solidFill>
+                <a:latin typeface="Microsoft JhengHei" panose="020B0604030504040204" pitchFamily="34" charset="-120"/>
+                <a:ea typeface="Microsoft JhengHei" panose="020B0604030504040204" pitchFamily="34" charset="-120"/>
+                <a:cs typeface="Arial" panose="020B0604020202020204" pitchFamily="34" charset="0"/>
+                <a:sym typeface="Arial" panose="020B0604020202020204" pitchFamily="34" charset="0"/>
               </a:defRPr>
             </a:lvl1pPr>
+            <a:lvl2pPr marL="457200" indent="0" algn="ctr">
+              <a:buNone/>
+              <a:defRPr sz="2000"/>
+            </a:lvl2pPr>
+            <a:lvl3pPr marL="914400" indent="0" algn="ctr">
+              <a:buNone/>
+              <a:defRPr sz="1800"/>
+            </a:lvl3pPr>
+            <a:lvl4pPr marL="1371600" indent="0" algn="ctr">
+              <a:buNone/>
+              <a:defRPr sz="1600"/>
+            </a:lvl4pPr>
+            <a:lvl5pPr marL="1828800" indent="0" algn="ctr">
+              <a:buNone/>
+              <a:defRPr sz="1600"/>
+            </a:lvl5pPr>
+            <a:lvl6pPr marL="2286000" indent="0" algn="ctr">
+              <a:buNone/>
+              <a:defRPr sz="1600"/>
+            </a:lvl6pPr>
+            <a:lvl7pPr marL="2743200" indent="0" algn="ctr">
+              <a:buNone/>
+              <a:defRPr sz="1600"/>
+            </a:lvl7pPr>
+            <a:lvl8pPr marL="3200400" indent="0" algn="ctr">
+              <a:buNone/>
+              <a:defRPr sz="1600"/>
+            </a:lvl8pPr>
+            <a:lvl9pPr marL="3657600" indent="0" algn="ctr">
+              <a:buNone/>
+              <a:defRPr sz="1600"/>
+            </a:lvl9pPr>
           </a:lstStyle>
           <a:p>
-            <a:pPr lvl="0"/>
             <a:r>
               <a:rPr lang="pt-BR" dirty="0"/>
               <a:t>Clique para editar o estilo do subtítulo mestre</a:t>
@@ -4912,7 +5932,7 @@
 </p:sldLayout>
 </file>
 
-<file path=ppt/slideLayouts/slideLayout6.xml><?xml version="1.0" encoding="utf-8"?>
+<file path=ppt/slideLayouts/slideLayout7.xml><?xml version="1.0" encoding="utf-8"?>
 <p:sldLayout xmlns:a="http://schemas.openxmlformats.org/drawingml/2006/main" xmlns:r="http://schemas.openxmlformats.org/officeDocument/2006/relationships" xmlns:p="http://schemas.openxmlformats.org/presentationml/2006/main" preserve="1" userDrawn="1">
   <p:cSld name="Somente título">
     <p:spTree>
@@ -4951,7 +5971,7 @@
           <a:p>
             <a:fld id="{594ACB89-4662-4B0D-B4A6-6AB382733EB7}" type="datetimeFigureOut">
               <a:rPr lang="pt-BR" smtClean="0"/>
-              <a:t>28/06/2024</a:t>
+              <a:t>04/07/2024</a:t>
             </a:fld>
             <a:endParaRPr lang="pt-BR"/>
           </a:p>
@@ -5067,7 +6087,7 @@
           <p:cNvPr id="10" name="Google Shape;99;p1">
             <a:extLst>
               <a:ext uri="{FF2B5EF4-FFF2-40B4-BE49-F238E27FC236}">
-                <a16:creationId xmlns="" xmlns:a16="http://schemas.microsoft.com/office/drawing/2014/main" id="{C89C81E2-5AA1-4DC2-9862-37B2AA378531}"/>
+                <a16:creationId xmlns:a16="http://schemas.microsoft.com/office/drawing/2014/main" xmlns="" id="{C89C81E2-5AA1-4DC2-9862-37B2AA378531}"/>
               </a:ext>
             </a:extLst>
           </p:cNvPr>
@@ -5195,18 +6215,24 @@
       </p:sp>
       <p:sp>
         <p:nvSpPr>
-          <p:cNvPr id="13" name="Espaço Reservado para Texto 13"/>
+          <p:cNvPr id="14" name="Subtítulo 2">
+            <a:extLst>
+              <a:ext uri="{FF2B5EF4-FFF2-40B4-BE49-F238E27FC236}">
+                <a16:creationId xmlns:a16="http://schemas.microsoft.com/office/drawing/2014/main" xmlns="" id="{A7872648-BA39-4DB2-AE89-6A10579AD6EF}"/>
+              </a:ext>
+            </a:extLst>
+          </p:cNvPr>
           <p:cNvSpPr>
             <a:spLocks noGrp="1"/>
           </p:cNvSpPr>
           <p:nvPr>
-            <p:ph type="body" sz="quarter" idx="13" hasCustomPrompt="1"/>
+            <p:ph type="subTitle" idx="13"/>
           </p:nvPr>
         </p:nvSpPr>
         <p:spPr>
           <a:xfrm>
-            <a:off x="365125" y="438150"/>
-            <a:ext cx="10515600" cy="392113"/>
+            <a:off x="365202" y="375247"/>
+            <a:ext cx="8528632" cy="392113"/>
           </a:xfrm>
         </p:spPr>
         <p:txBody>
@@ -5227,21 +6253,52 @@
               <a:buClr>
                 <a:srgbClr val="000000"/>
               </a:buClr>
-              <a:buFont typeface="Arial"/>
-              <a:buNone/>
-              <a:defRPr lang="pt-BR" sz="2000" b="0" i="0" u="none" strike="noStrike" cap="none" dirty="0">
-                <a:solidFill>
-                  <a:srgbClr val="006E54"/>
-                </a:solidFill>
-                <a:latin typeface="Arial"/>
-                <a:ea typeface="Arial"/>
-                <a:cs typeface="Arial"/>
-                <a:sym typeface="Arial"/>
+              <a:buFont typeface="Arial" panose="020B0604020202020204" pitchFamily="34" charset="0"/>
+              <a:buNone/>
+              <a:defRPr lang="pt-BR" sz="2200" b="0" i="0" u="none" strike="noStrike" cap="none" dirty="0">
+                <a:solidFill>
+                  <a:srgbClr val="008666"/>
+                </a:solidFill>
+                <a:latin typeface="Microsoft JhengHei" panose="020B0604030504040204" pitchFamily="34" charset="-120"/>
+                <a:ea typeface="Microsoft JhengHei" panose="020B0604030504040204" pitchFamily="34" charset="-120"/>
+                <a:cs typeface="Arial" panose="020B0604020202020204" pitchFamily="34" charset="0"/>
+                <a:sym typeface="Arial" panose="020B0604020202020204" pitchFamily="34" charset="0"/>
               </a:defRPr>
             </a:lvl1pPr>
+            <a:lvl2pPr marL="457200" indent="0" algn="ctr">
+              <a:buNone/>
+              <a:defRPr sz="2000"/>
+            </a:lvl2pPr>
+            <a:lvl3pPr marL="914400" indent="0" algn="ctr">
+              <a:buNone/>
+              <a:defRPr sz="1800"/>
+            </a:lvl3pPr>
+            <a:lvl4pPr marL="1371600" indent="0" algn="ctr">
+              <a:buNone/>
+              <a:defRPr sz="1600"/>
+            </a:lvl4pPr>
+            <a:lvl5pPr marL="1828800" indent="0" algn="ctr">
+              <a:buNone/>
+              <a:defRPr sz="1600"/>
+            </a:lvl5pPr>
+            <a:lvl6pPr marL="2286000" indent="0" algn="ctr">
+              <a:buNone/>
+              <a:defRPr sz="1600"/>
+            </a:lvl6pPr>
+            <a:lvl7pPr marL="2743200" indent="0" algn="ctr">
+              <a:buNone/>
+              <a:defRPr sz="1600"/>
+            </a:lvl7pPr>
+            <a:lvl8pPr marL="3200400" indent="0" algn="ctr">
+              <a:buNone/>
+              <a:defRPr sz="1600"/>
+            </a:lvl8pPr>
+            <a:lvl9pPr marL="3657600" indent="0" algn="ctr">
+              <a:buNone/>
+              <a:defRPr sz="1600"/>
+            </a:lvl9pPr>
           </a:lstStyle>
           <a:p>
-            <a:pPr lvl="0"/>
             <a:r>
               <a:rPr lang="pt-BR" dirty="0"/>
               <a:t>Clique para editar o estilo do subtítulo mestre</a:t>
@@ -5262,7 +6319,7 @@
 </p:sldLayout>
 </file>
 
-<file path=ppt/slideLayouts/slideLayout7.xml><?xml version="1.0" encoding="utf-8"?>
+<file path=ppt/slideLayouts/slideLayout8.xml><?xml version="1.0" encoding="utf-8"?>
 <p:sldLayout xmlns:a="http://schemas.openxmlformats.org/drawingml/2006/main" xmlns:r="http://schemas.openxmlformats.org/officeDocument/2006/relationships" xmlns:p="http://schemas.openxmlformats.org/presentationml/2006/main" preserve="1" userDrawn="1">
   <p:cSld name="Em branco">
     <p:spTree>
@@ -5301,7 +6358,7 @@
           <a:p>
             <a:fld id="{594ACB89-4662-4B0D-B4A6-6AB382733EB7}" type="datetimeFigureOut">
               <a:rPr lang="pt-BR" smtClean="0"/>
-              <a:t>28/06/2024</a:t>
+              <a:t>04/07/2024</a:t>
             </a:fld>
             <a:endParaRPr lang="pt-BR"/>
           </a:p>
@@ -5417,7 +6474,7 @@
           <p:cNvPr id="9" name="Google Shape;99;p1">
             <a:extLst>
               <a:ext uri="{FF2B5EF4-FFF2-40B4-BE49-F238E27FC236}">
-                <a16:creationId xmlns="" xmlns:a16="http://schemas.microsoft.com/office/drawing/2014/main" id="{C89C81E2-5AA1-4DC2-9862-37B2AA378531}"/>
+                <a16:creationId xmlns:a16="http://schemas.microsoft.com/office/drawing/2014/main" xmlns="" id="{C89C81E2-5AA1-4DC2-9862-37B2AA378531}"/>
               </a:ext>
             </a:extLst>
           </p:cNvPr>
@@ -5506,18 +6563,24 @@
       </p:sp>
       <p:sp>
         <p:nvSpPr>
-          <p:cNvPr id="11" name="Espaço Reservado para Texto 13"/>
+          <p:cNvPr id="12" name="Subtítulo 2">
+            <a:extLst>
+              <a:ext uri="{FF2B5EF4-FFF2-40B4-BE49-F238E27FC236}">
+                <a16:creationId xmlns:a16="http://schemas.microsoft.com/office/drawing/2014/main" xmlns="" id="{A7872648-BA39-4DB2-AE89-6A10579AD6EF}"/>
+              </a:ext>
+            </a:extLst>
+          </p:cNvPr>
           <p:cNvSpPr>
             <a:spLocks noGrp="1"/>
           </p:cNvSpPr>
           <p:nvPr>
-            <p:ph type="body" sz="quarter" idx="13" hasCustomPrompt="1"/>
+            <p:ph type="subTitle" idx="13"/>
           </p:nvPr>
         </p:nvSpPr>
         <p:spPr>
           <a:xfrm>
-            <a:off x="365125" y="438150"/>
-            <a:ext cx="10515600" cy="392113"/>
+            <a:off x="365202" y="375247"/>
+            <a:ext cx="8528632" cy="392113"/>
           </a:xfrm>
         </p:spPr>
         <p:txBody>
@@ -5538,21 +6601,52 @@
               <a:buClr>
                 <a:srgbClr val="000000"/>
               </a:buClr>
-              <a:buFont typeface="Arial"/>
-              <a:buNone/>
-              <a:defRPr lang="pt-BR" sz="2000" b="0" i="0" u="none" strike="noStrike" cap="none" dirty="0">
-                <a:solidFill>
-                  <a:srgbClr val="006E54"/>
-                </a:solidFill>
-                <a:latin typeface="Arial"/>
-                <a:ea typeface="Arial"/>
-                <a:cs typeface="Arial"/>
-                <a:sym typeface="Arial"/>
+              <a:buFont typeface="Arial" panose="020B0604020202020204" pitchFamily="34" charset="0"/>
+              <a:buNone/>
+              <a:defRPr lang="pt-BR" sz="2200" b="0" i="0" u="none" strike="noStrike" cap="none" dirty="0">
+                <a:solidFill>
+                  <a:srgbClr val="008666"/>
+                </a:solidFill>
+                <a:latin typeface="Microsoft JhengHei" panose="020B0604030504040204" pitchFamily="34" charset="-120"/>
+                <a:ea typeface="Microsoft JhengHei" panose="020B0604030504040204" pitchFamily="34" charset="-120"/>
+                <a:cs typeface="Arial" panose="020B0604020202020204" pitchFamily="34" charset="0"/>
+                <a:sym typeface="Arial" panose="020B0604020202020204" pitchFamily="34" charset="0"/>
               </a:defRPr>
             </a:lvl1pPr>
+            <a:lvl2pPr marL="457200" indent="0" algn="ctr">
+              <a:buNone/>
+              <a:defRPr sz="2000"/>
+            </a:lvl2pPr>
+            <a:lvl3pPr marL="914400" indent="0" algn="ctr">
+              <a:buNone/>
+              <a:defRPr sz="1800"/>
+            </a:lvl3pPr>
+            <a:lvl4pPr marL="1371600" indent="0" algn="ctr">
+              <a:buNone/>
+              <a:defRPr sz="1600"/>
+            </a:lvl4pPr>
+            <a:lvl5pPr marL="1828800" indent="0" algn="ctr">
+              <a:buNone/>
+              <a:defRPr sz="1600"/>
+            </a:lvl5pPr>
+            <a:lvl6pPr marL="2286000" indent="0" algn="ctr">
+              <a:buNone/>
+              <a:defRPr sz="1600"/>
+            </a:lvl6pPr>
+            <a:lvl7pPr marL="2743200" indent="0" algn="ctr">
+              <a:buNone/>
+              <a:defRPr sz="1600"/>
+            </a:lvl7pPr>
+            <a:lvl8pPr marL="3200400" indent="0" algn="ctr">
+              <a:buNone/>
+              <a:defRPr sz="1600"/>
+            </a:lvl8pPr>
+            <a:lvl9pPr marL="3657600" indent="0" algn="ctr">
+              <a:buNone/>
+              <a:defRPr sz="1600"/>
+            </a:lvl9pPr>
           </a:lstStyle>
           <a:p>
-            <a:pPr lvl="0"/>
             <a:r>
               <a:rPr lang="pt-BR" dirty="0"/>
               <a:t>Clique para editar o estilo do subtítulo mestre</a:t>
@@ -5573,7 +6667,7 @@
 </p:sldLayout>
 </file>
 
-<file path=ppt/slideLayouts/slideLayout8.xml><?xml version="1.0" encoding="utf-8"?>
+<file path=ppt/slideLayouts/slideLayout9.xml><?xml version="1.0" encoding="utf-8"?>
 <p:sldLayout xmlns:a="http://schemas.openxmlformats.org/drawingml/2006/main" xmlns:r="http://schemas.openxmlformats.org/officeDocument/2006/relationships" xmlns:p="http://schemas.openxmlformats.org/presentationml/2006/main" type="objTx" preserve="1">
   <p:cSld name="Conteúdo com Legenda">
     <p:spTree>
@@ -5832,7 +6926,7 @@
           <a:p>
             <a:fld id="{594ACB89-4662-4B0D-B4A6-6AB382733EB7}" type="datetimeFigureOut">
               <a:rPr lang="pt-BR" smtClean="0"/>
-              <a:t>28/06/2024</a:t>
+              <a:t>04/07/2024</a:t>
             </a:fld>
             <a:endParaRPr lang="pt-BR"/>
           </a:p>
@@ -5948,7 +7042,7 @@
           <p:cNvPr id="12" name="Google Shape;99;p1">
             <a:extLst>
               <a:ext uri="{FF2B5EF4-FFF2-40B4-BE49-F238E27FC236}">
-                <a16:creationId xmlns="" xmlns:a16="http://schemas.microsoft.com/office/drawing/2014/main" id="{C89C81E2-5AA1-4DC2-9862-37B2AA378531}"/>
+                <a16:creationId xmlns:a16="http://schemas.microsoft.com/office/drawing/2014/main" xmlns="" id="{C89C81E2-5AA1-4DC2-9862-37B2AA378531}"/>
               </a:ext>
             </a:extLst>
           </p:cNvPr>
@@ -6046,425 +7140,6 @@
     <p:extLst>
       <p:ext uri="{BB962C8B-B14F-4D97-AF65-F5344CB8AC3E}">
         <p14:creationId xmlns:p14="http://schemas.microsoft.com/office/powerpoint/2010/main" val="227705402"/>
-      </p:ext>
-    </p:extLst>
-  </p:cSld>
-  <p:clrMapOvr>
-    <a:masterClrMapping/>
-  </p:clrMapOvr>
-</p:sldLayout>
-</file>
-
-<file path=ppt/slideLayouts/slideLayout9.xml><?xml version="1.0" encoding="utf-8"?>
-<p:sldLayout xmlns:a="http://schemas.openxmlformats.org/drawingml/2006/main" xmlns:r="http://schemas.openxmlformats.org/officeDocument/2006/relationships" xmlns:p="http://schemas.openxmlformats.org/presentationml/2006/main" type="picTx" preserve="1">
-  <p:cSld name="Imagem com Legenda">
-    <p:spTree>
-      <p:nvGrpSpPr>
-        <p:cNvPr id="1" name=""/>
-        <p:cNvGrpSpPr/>
-        <p:nvPr/>
-      </p:nvGrpSpPr>
-      <p:grpSpPr>
-        <a:xfrm>
-          <a:off x="0" y="0"/>
-          <a:ext cx="0" cy="0"/>
-          <a:chOff x="0" y="0"/>
-          <a:chExt cx="0" cy="0"/>
-        </a:xfrm>
-      </p:grpSpPr>
-      <p:sp>
-        <p:nvSpPr>
-          <p:cNvPr id="2" name="Título 1"/>
-          <p:cNvSpPr>
-            <a:spLocks noGrp="1"/>
-          </p:cNvSpPr>
-          <p:nvPr>
-            <p:ph type="title"/>
-          </p:nvPr>
-        </p:nvSpPr>
-        <p:spPr>
-          <a:xfrm>
-            <a:off x="1001282" y="457200"/>
-            <a:ext cx="3770743" cy="1600200"/>
-          </a:xfrm>
-        </p:spPr>
-        <p:txBody>
-          <a:bodyPr anchor="b"/>
-          <a:lstStyle>
-            <a:lvl1pPr>
-              <a:defRPr sz="3200"/>
-            </a:lvl1pPr>
-          </a:lstStyle>
-          <a:p>
-            <a:r>
-              <a:rPr lang="pt-BR"/>
-              <a:t>Clique para editar o título mestre</a:t>
-            </a:r>
-          </a:p>
-        </p:txBody>
-      </p:sp>
-      <p:sp>
-        <p:nvSpPr>
-          <p:cNvPr id="3" name="Espaço Reservado para Imagem 2"/>
-          <p:cNvSpPr>
-            <a:spLocks noGrp="1"/>
-          </p:cNvSpPr>
-          <p:nvPr>
-            <p:ph type="pic" idx="1"/>
-          </p:nvPr>
-        </p:nvSpPr>
-        <p:spPr>
-          <a:xfrm>
-            <a:off x="5183188" y="987425"/>
-            <a:ext cx="6172200" cy="4873625"/>
-          </a:xfrm>
-        </p:spPr>
-        <p:txBody>
-          <a:bodyPr/>
-          <a:lstStyle>
-            <a:lvl1pPr marL="0" indent="0">
-              <a:buNone/>
-              <a:defRPr sz="3200"/>
-            </a:lvl1pPr>
-            <a:lvl2pPr marL="457200" indent="0">
-              <a:buNone/>
-              <a:defRPr sz="2800"/>
-            </a:lvl2pPr>
-            <a:lvl3pPr marL="914400" indent="0">
-              <a:buNone/>
-              <a:defRPr sz="2400"/>
-            </a:lvl3pPr>
-            <a:lvl4pPr marL="1371600" indent="0">
-              <a:buNone/>
-              <a:defRPr sz="2000"/>
-            </a:lvl4pPr>
-            <a:lvl5pPr marL="1828800" indent="0">
-              <a:buNone/>
-              <a:defRPr sz="2000"/>
-            </a:lvl5pPr>
-            <a:lvl6pPr marL="2286000" indent="0">
-              <a:buNone/>
-              <a:defRPr sz="2000"/>
-            </a:lvl6pPr>
-            <a:lvl7pPr marL="2743200" indent="0">
-              <a:buNone/>
-              <a:defRPr sz="2000"/>
-            </a:lvl7pPr>
-            <a:lvl8pPr marL="3200400" indent="0">
-              <a:buNone/>
-              <a:defRPr sz="2000"/>
-            </a:lvl8pPr>
-            <a:lvl9pPr marL="3657600" indent="0">
-              <a:buNone/>
-              <a:defRPr sz="2000"/>
-            </a:lvl9pPr>
-          </a:lstStyle>
-          <a:p>
-            <a:endParaRPr lang="pt-BR"/>
-          </a:p>
-        </p:txBody>
-      </p:sp>
-      <p:sp>
-        <p:nvSpPr>
-          <p:cNvPr id="4" name="Espaço Reservado para Texto 3"/>
-          <p:cNvSpPr>
-            <a:spLocks noGrp="1"/>
-          </p:cNvSpPr>
-          <p:nvPr>
-            <p:ph type="body" sz="half" idx="2"/>
-          </p:nvPr>
-        </p:nvSpPr>
-        <p:spPr>
-          <a:xfrm>
-            <a:off x="839788" y="2057400"/>
-            <a:ext cx="3932237" cy="3811588"/>
-          </a:xfrm>
-        </p:spPr>
-        <p:txBody>
-          <a:bodyPr/>
-          <a:lstStyle>
-            <a:lvl1pPr marL="0" indent="0">
-              <a:buNone/>
-              <a:defRPr sz="1600"/>
-            </a:lvl1pPr>
-            <a:lvl2pPr marL="457200" indent="0">
-              <a:buNone/>
-              <a:defRPr sz="1400"/>
-            </a:lvl2pPr>
-            <a:lvl3pPr marL="914400" indent="0">
-              <a:buNone/>
-              <a:defRPr sz="1200"/>
-            </a:lvl3pPr>
-            <a:lvl4pPr marL="1371600" indent="0">
-              <a:buNone/>
-              <a:defRPr sz="1000"/>
-            </a:lvl4pPr>
-            <a:lvl5pPr marL="1828800" indent="0">
-              <a:buNone/>
-              <a:defRPr sz="1000"/>
-            </a:lvl5pPr>
-            <a:lvl6pPr marL="2286000" indent="0">
-              <a:buNone/>
-              <a:defRPr sz="1000"/>
-            </a:lvl6pPr>
-            <a:lvl7pPr marL="2743200" indent="0">
-              <a:buNone/>
-              <a:defRPr sz="1000"/>
-            </a:lvl7pPr>
-            <a:lvl8pPr marL="3200400" indent="0">
-              <a:buNone/>
-              <a:defRPr sz="1000"/>
-            </a:lvl8pPr>
-            <a:lvl9pPr marL="3657600" indent="0">
-              <a:buNone/>
-              <a:defRPr sz="1000"/>
-            </a:lvl9pPr>
-          </a:lstStyle>
-          <a:p>
-            <a:pPr lvl="0"/>
-            <a:r>
-              <a:rPr lang="pt-BR"/>
-              <a:t>Clique para editar o texto mestre</a:t>
-            </a:r>
-          </a:p>
-        </p:txBody>
-      </p:sp>
-      <p:sp>
-        <p:nvSpPr>
-          <p:cNvPr id="8" name="Espaço Reservado para Data 3"/>
-          <p:cNvSpPr>
-            <a:spLocks noGrp="1"/>
-          </p:cNvSpPr>
-          <p:nvPr>
-            <p:ph type="dt" sz="half" idx="10"/>
-          </p:nvPr>
-        </p:nvSpPr>
-        <p:spPr>
-          <a:xfrm>
-            <a:off x="838200" y="6472341"/>
-            <a:ext cx="2743200" cy="365125"/>
-          </a:xfrm>
-        </p:spPr>
-        <p:txBody>
-          <a:bodyPr/>
-          <a:lstStyle/>
-          <a:p>
-            <a:fld id="{594ACB89-4662-4B0D-B4A6-6AB382733EB7}" type="datetimeFigureOut">
-              <a:rPr lang="pt-BR" smtClean="0"/>
-              <a:t>28/06/2024</a:t>
-            </a:fld>
-            <a:endParaRPr lang="pt-BR"/>
-          </a:p>
-        </p:txBody>
-      </p:sp>
-      <p:sp>
-        <p:nvSpPr>
-          <p:cNvPr id="9" name="Espaço Reservado para Rodapé 4"/>
-          <p:cNvSpPr>
-            <a:spLocks noGrp="1"/>
-          </p:cNvSpPr>
-          <p:nvPr>
-            <p:ph type="ftr" sz="quarter" idx="11"/>
-          </p:nvPr>
-        </p:nvSpPr>
-        <p:spPr>
-          <a:xfrm>
-            <a:off x="4038600" y="6472341"/>
-            <a:ext cx="4114800" cy="365125"/>
-          </a:xfrm>
-        </p:spPr>
-        <p:txBody>
-          <a:bodyPr/>
-          <a:lstStyle/>
-          <a:p>
-            <a:r>
-              <a:rPr lang="pt-BR" dirty="0"/>
-              <a:t>Secretaria de Estado da Economia</a:t>
-            </a:r>
-          </a:p>
-        </p:txBody>
-      </p:sp>
-      <p:sp>
-        <p:nvSpPr>
-          <p:cNvPr id="10" name="Espaço Reservado para Número de Slide 5"/>
-          <p:cNvSpPr>
-            <a:spLocks noGrp="1"/>
-          </p:cNvSpPr>
-          <p:nvPr>
-            <p:ph type="sldNum" sz="quarter" idx="12"/>
-          </p:nvPr>
-        </p:nvSpPr>
-        <p:spPr>
-          <a:xfrm>
-            <a:off x="8610600" y="6472341"/>
-            <a:ext cx="2743200" cy="365125"/>
-          </a:xfrm>
-        </p:spPr>
-        <p:txBody>
-          <a:bodyPr/>
-          <a:lstStyle/>
-          <a:p>
-            <a:fld id="{FAACE0D2-E678-453C-8082-E08B461DE721}" type="slidenum">
-              <a:rPr lang="pt-BR" smtClean="0"/>
-              <a:t>‹nº›</a:t>
-            </a:fld>
-            <a:endParaRPr lang="pt-BR"/>
-          </a:p>
-        </p:txBody>
-      </p:sp>
-      <p:pic>
-        <p:nvPicPr>
-          <p:cNvPr id="12" name="Google Shape;99;p1">
-            <a:extLst>
-              <a:ext uri="{FF2B5EF4-FFF2-40B4-BE49-F238E27FC236}">
-                <a16:creationId xmlns="" xmlns:a16="http://schemas.microsoft.com/office/drawing/2014/main" id="{C89C81E2-5AA1-4DC2-9862-37B2AA378531}"/>
-              </a:ext>
-            </a:extLst>
-          </p:cNvPr>
-          <p:cNvPicPr preferRelativeResize="0">
-            <a:picLocks noChangeAspect="1" noChangeArrowheads="1"/>
-          </p:cNvPicPr>
-          <p:nvPr userDrawn="1"/>
-        </p:nvPicPr>
-        <p:blipFill>
-          <a:blip r:embed="rId2" cstate="print">
-            <a:extLst>
-              <a:ext uri="{28A0092B-C50C-407E-A947-70E740481C1C}">
-                <a14:useLocalDpi xmlns:a14="http://schemas.microsoft.com/office/drawing/2010/main" val="0"/>
-              </a:ext>
-            </a:extLst>
-          </a:blip>
-          <a:srcRect/>
-          <a:stretch>
-            <a:fillRect/>
-          </a:stretch>
-        </p:blipFill>
-        <p:spPr bwMode="auto">
-          <a:xfrm>
-            <a:off x="9120037" y="141749"/>
-            <a:ext cx="2840166" cy="579800"/>
-          </a:xfrm>
-          <a:prstGeom prst="rect">
-            <a:avLst/>
-          </a:prstGeom>
-          <a:noFill/>
-          <a:ln>
-            <a:noFill/>
-          </a:ln>
-          <a:extLst>
-            <a:ext uri="{909E8E84-426E-40DD-AFC4-6F175D3DCCD1}">
-              <a14:hiddenFill xmlns:a14="http://schemas.microsoft.com/office/drawing/2010/main">
-                <a:solidFill>
-                  <a:srgbClr val="FFFFFF"/>
-                </a:solidFill>
-              </a14:hiddenFill>
-            </a:ext>
-            <a:ext uri="{91240B29-F687-4F45-9708-019B960494DF}">
-              <a14:hiddenLine xmlns:a14="http://schemas.microsoft.com/office/drawing/2010/main" w="9525">
-                <a:solidFill>
-                  <a:srgbClr val="000000"/>
-                </a:solidFill>
-                <a:miter lim="800000"/>
-                <a:headEnd/>
-                <a:tailEnd/>
-              </a14:hiddenLine>
-            </a:ext>
-          </a:extLst>
-        </p:spPr>
-      </p:pic>
-      <p:sp>
-        <p:nvSpPr>
-          <p:cNvPr id="13" name="Retângulo 12"/>
-          <p:cNvSpPr/>
-          <p:nvPr userDrawn="1"/>
-        </p:nvSpPr>
-        <p:spPr>
-          <a:xfrm>
-            <a:off x="838200" y="457200"/>
-            <a:ext cx="163082" cy="1600199"/>
-          </a:xfrm>
-          <a:prstGeom prst="rect">
-            <a:avLst/>
-          </a:prstGeom>
-          <a:solidFill>
-            <a:srgbClr val="008666"/>
-          </a:solidFill>
-          <a:ln>
-            <a:noFill/>
-          </a:ln>
-        </p:spPr>
-        <p:style>
-          <a:lnRef idx="2">
-            <a:schemeClr val="accent1">
-              <a:shade val="50000"/>
-            </a:schemeClr>
-          </a:lnRef>
-          <a:fillRef idx="1">
-            <a:schemeClr val="accent1"/>
-          </a:fillRef>
-          <a:effectRef idx="0">
-            <a:schemeClr val="accent1"/>
-          </a:effectRef>
-          <a:fontRef idx="minor">
-            <a:schemeClr val="lt1"/>
-          </a:fontRef>
-        </p:style>
-        <p:txBody>
-          <a:bodyPr rtlCol="0" anchor="ctr"/>
-          <a:lstStyle/>
-          <a:p>
-            <a:pPr algn="ctr"/>
-            <a:endParaRPr lang="pt-BR" dirty="0">
-              <a:solidFill>
-                <a:srgbClr val="006E54"/>
-              </a:solidFill>
-            </a:endParaRPr>
-          </a:p>
-        </p:txBody>
-      </p:sp>
-      <p:cxnSp>
-        <p:nvCxnSpPr>
-          <p:cNvPr id="14" name="Conector reto 13"/>
-          <p:cNvCxnSpPr/>
-          <p:nvPr userDrawn="1"/>
-        </p:nvCxnSpPr>
-        <p:spPr>
-          <a:xfrm>
-            <a:off x="3603121" y="6472341"/>
-            <a:ext cx="4985759" cy="0"/>
-          </a:xfrm>
-          <a:prstGeom prst="line">
-            <a:avLst/>
-          </a:prstGeom>
-          <a:ln w="12700" cap="rnd">
-            <a:solidFill>
-              <a:srgbClr val="008666">
-                <a:alpha val="50000"/>
-              </a:srgbClr>
-            </a:solidFill>
-            <a:miter lim="800000"/>
-          </a:ln>
-          <a:effectLst/>
-        </p:spPr>
-        <p:style>
-          <a:lnRef idx="1">
-            <a:schemeClr val="accent1"/>
-          </a:lnRef>
-          <a:fillRef idx="0">
-            <a:schemeClr val="accent1"/>
-          </a:fillRef>
-          <a:effectRef idx="0">
-            <a:schemeClr val="accent1"/>
-          </a:effectRef>
-          <a:fontRef idx="minor">
-            <a:schemeClr val="tx1"/>
-          </a:fontRef>
-        </p:style>
-      </p:cxnSp>
-    </p:spTree>
-    <p:extLst>
-      <p:ext uri="{BB962C8B-B14F-4D97-AF65-F5344CB8AC3E}">
-        <p14:creationId xmlns:p14="http://schemas.microsoft.com/office/powerpoint/2010/main" val="1008314963"/>
       </p:ext>
     </p:extLst>
   </p:cSld>
@@ -6624,7 +7299,7 @@
           <a:p>
             <a:fld id="{594ACB89-4662-4B0D-B4A6-6AB382733EB7}" type="datetimeFigureOut">
               <a:rPr lang="pt-BR" smtClean="0"/>
-              <a:t>28/06/2024</a:t>
+              <a:t>04/07/2024</a:t>
             </a:fld>
             <a:endParaRPr lang="pt-BR"/>
           </a:p>
@@ -6716,7 +7391,7 @@
           <p:cNvPr id="8" name="Google Shape;99;p1">
             <a:extLst>
               <a:ext uri="{FF2B5EF4-FFF2-40B4-BE49-F238E27FC236}">
-                <a16:creationId xmlns="" xmlns:a16="http://schemas.microsoft.com/office/drawing/2014/main" id="{C89C81E2-5AA1-4DC2-9862-37B2AA378531}"/>
+                <a16:creationId xmlns:a16="http://schemas.microsoft.com/office/drawing/2014/main" xmlns="" id="{C89C81E2-5AA1-4DC2-9862-37B2AA378531}"/>
               </a:ext>
             </a:extLst>
           </p:cNvPr>
@@ -6726,7 +7401,7 @@
           <p:nvPr userDrawn="1"/>
         </p:nvPicPr>
         <p:blipFill>
-          <a:blip r:embed="rId14" cstate="print">
+          <a:blip r:embed="rId15" cstate="print">
             <a:extLst>
               <a:ext uri="{28A0092B-C50C-407E-A947-70E740481C1C}">
                 <a14:useLocalDpi xmlns:a14="http://schemas.microsoft.com/office/drawing/2010/main" val="0"/>
@@ -6821,16 +7496,17 @@
   <p:sldLayoutIdLst>
     <p:sldLayoutId id="2147483649" r:id="rId1"/>
     <p:sldLayoutId id="2147483650" r:id="rId2"/>
-    <p:sldLayoutId id="2147483651" r:id="rId3"/>
-    <p:sldLayoutId id="2147483652" r:id="rId4"/>
-    <p:sldLayoutId id="2147483653" r:id="rId5"/>
-    <p:sldLayoutId id="2147483654" r:id="rId6"/>
-    <p:sldLayoutId id="2147483655" r:id="rId7"/>
-    <p:sldLayoutId id="2147483656" r:id="rId8"/>
-    <p:sldLayoutId id="2147483657" r:id="rId9"/>
-    <p:sldLayoutId id="2147483658" r:id="rId10"/>
-    <p:sldLayoutId id="2147483659" r:id="rId11"/>
-    <p:sldLayoutId id="2147483660" r:id="rId12"/>
+    <p:sldLayoutId id="2147483661" r:id="rId3"/>
+    <p:sldLayoutId id="2147483651" r:id="rId4"/>
+    <p:sldLayoutId id="2147483652" r:id="rId5"/>
+    <p:sldLayoutId id="2147483653" r:id="rId6"/>
+    <p:sldLayoutId id="2147483654" r:id="rId7"/>
+    <p:sldLayoutId id="2147483655" r:id="rId8"/>
+    <p:sldLayoutId id="2147483656" r:id="rId9"/>
+    <p:sldLayoutId id="2147483657" r:id="rId10"/>
+    <p:sldLayoutId id="2147483658" r:id="rId11"/>
+    <p:sldLayoutId id="2147483659" r:id="rId12"/>
+    <p:sldLayoutId id="2147483660" r:id="rId13"/>
   </p:sldLayoutIdLst>
   <p:txStyles>
     <p:titleStyle>
